--- a/documents/Презентация.pptx
+++ b/documents/Презентация.pptx
@@ -11,6 +11,7 @@
     <p:sldId id="259" r:id="rId5"/>
     <p:sldId id="260" r:id="rId6"/>
     <p:sldId id="261" r:id="rId7"/>
+    <p:sldId id="262" r:id="rId8"/>
   </p:sldIdLst>
   <p:sldSz cx="9144000" cy="6858000" type="screen4x3"/>
   <p:notesSz cx="6858000" cy="9144000"/>
@@ -112,6 +113,2410 @@
 </p:presentation>
 </file>
 
+<file path=ppt/diagrams/colors1.xml><?xml version="1.0" encoding="utf-8"?>
+<dgm:colorsDef xmlns:dgm="http://schemas.openxmlformats.org/drawingml/2006/diagram" xmlns:a="http://schemas.openxmlformats.org/drawingml/2006/main" uniqueId="urn:microsoft.com/office/officeart/2005/8/colors/accent1_2">
+  <dgm:title val=""/>
+  <dgm:desc val=""/>
+  <dgm:catLst>
+    <dgm:cat type="accent1" pri="11200"/>
+  </dgm:catLst>
+  <dgm:styleLbl name="node0">
+    <dgm:fillClrLst meth="repeat">
+      <a:schemeClr val="accent1"/>
+    </dgm:fillClrLst>
+    <dgm:linClrLst meth="repeat">
+      <a:schemeClr val="lt1"/>
+    </dgm:linClrLst>
+    <dgm:effectClrLst/>
+    <dgm:txLinClrLst/>
+    <dgm:txFillClrLst/>
+    <dgm:txEffectClrLst/>
+  </dgm:styleLbl>
+  <dgm:styleLbl name="alignNode1">
+    <dgm:fillClrLst meth="repeat">
+      <a:schemeClr val="accent1"/>
+    </dgm:fillClrLst>
+    <dgm:linClrLst meth="repeat">
+      <a:schemeClr val="accent1"/>
+    </dgm:linClrLst>
+    <dgm:effectClrLst/>
+    <dgm:txLinClrLst/>
+    <dgm:txFillClrLst/>
+    <dgm:txEffectClrLst/>
+  </dgm:styleLbl>
+  <dgm:styleLbl name="node1">
+    <dgm:fillClrLst meth="repeat">
+      <a:schemeClr val="accent1"/>
+    </dgm:fillClrLst>
+    <dgm:linClrLst meth="repeat">
+      <a:schemeClr val="lt1"/>
+    </dgm:linClrLst>
+    <dgm:effectClrLst/>
+    <dgm:txLinClrLst/>
+    <dgm:txFillClrLst/>
+    <dgm:txEffectClrLst/>
+  </dgm:styleLbl>
+  <dgm:styleLbl name="lnNode1">
+    <dgm:fillClrLst meth="repeat">
+      <a:schemeClr val="accent1"/>
+    </dgm:fillClrLst>
+    <dgm:linClrLst meth="repeat">
+      <a:schemeClr val="lt1"/>
+    </dgm:linClrLst>
+    <dgm:effectClrLst/>
+    <dgm:txLinClrLst/>
+    <dgm:txFillClrLst/>
+    <dgm:txEffectClrLst/>
+  </dgm:styleLbl>
+  <dgm:styleLbl name="vennNode1">
+    <dgm:fillClrLst meth="repeat">
+      <a:schemeClr val="accent1">
+        <a:alpha val="50000"/>
+      </a:schemeClr>
+    </dgm:fillClrLst>
+    <dgm:linClrLst meth="repeat">
+      <a:schemeClr val="lt1"/>
+    </dgm:linClrLst>
+    <dgm:effectClrLst/>
+    <dgm:txLinClrLst/>
+    <dgm:txFillClrLst/>
+    <dgm:txEffectClrLst/>
+  </dgm:styleLbl>
+  <dgm:styleLbl name="node2">
+    <dgm:fillClrLst meth="repeat">
+      <a:schemeClr val="accent1"/>
+    </dgm:fillClrLst>
+    <dgm:linClrLst meth="repeat">
+      <a:schemeClr val="lt1"/>
+    </dgm:linClrLst>
+    <dgm:effectClrLst/>
+    <dgm:txLinClrLst/>
+    <dgm:txFillClrLst/>
+    <dgm:txEffectClrLst/>
+  </dgm:styleLbl>
+  <dgm:styleLbl name="node3">
+    <dgm:fillClrLst meth="repeat">
+      <a:schemeClr val="accent1"/>
+    </dgm:fillClrLst>
+    <dgm:linClrLst meth="repeat">
+      <a:schemeClr val="lt1"/>
+    </dgm:linClrLst>
+    <dgm:effectClrLst/>
+    <dgm:txLinClrLst/>
+    <dgm:txFillClrLst/>
+    <dgm:txEffectClrLst/>
+  </dgm:styleLbl>
+  <dgm:styleLbl name="node4">
+    <dgm:fillClrLst meth="repeat">
+      <a:schemeClr val="accent1"/>
+    </dgm:fillClrLst>
+    <dgm:linClrLst meth="repeat">
+      <a:schemeClr val="lt1"/>
+    </dgm:linClrLst>
+    <dgm:effectClrLst/>
+    <dgm:txLinClrLst/>
+    <dgm:txFillClrLst/>
+    <dgm:txEffectClrLst/>
+  </dgm:styleLbl>
+  <dgm:styleLbl name="fgImgPlace1">
+    <dgm:fillClrLst meth="repeat">
+      <a:schemeClr val="accent1">
+        <a:tint val="50000"/>
+      </a:schemeClr>
+    </dgm:fillClrLst>
+    <dgm:linClrLst meth="repeat">
+      <a:schemeClr val="lt1"/>
+    </dgm:linClrLst>
+    <dgm:effectClrLst/>
+    <dgm:txLinClrLst/>
+    <dgm:txFillClrLst meth="repeat">
+      <a:schemeClr val="lt1"/>
+    </dgm:txFillClrLst>
+    <dgm:txEffectClrLst/>
+  </dgm:styleLbl>
+  <dgm:styleLbl name="alignImgPlace1">
+    <dgm:fillClrLst meth="repeat">
+      <a:schemeClr val="accent1">
+        <a:tint val="50000"/>
+      </a:schemeClr>
+    </dgm:fillClrLst>
+    <dgm:linClrLst meth="repeat">
+      <a:schemeClr val="lt1"/>
+    </dgm:linClrLst>
+    <dgm:effectClrLst/>
+    <dgm:txLinClrLst/>
+    <dgm:txFillClrLst meth="repeat">
+      <a:schemeClr val="lt1"/>
+    </dgm:txFillClrLst>
+    <dgm:txEffectClrLst/>
+  </dgm:styleLbl>
+  <dgm:styleLbl name="bgImgPlace1">
+    <dgm:fillClrLst meth="repeat">
+      <a:schemeClr val="accent1">
+        <a:tint val="50000"/>
+      </a:schemeClr>
+    </dgm:fillClrLst>
+    <dgm:linClrLst meth="repeat">
+      <a:schemeClr val="lt1"/>
+    </dgm:linClrLst>
+    <dgm:effectClrLst/>
+    <dgm:txLinClrLst/>
+    <dgm:txFillClrLst meth="repeat">
+      <a:schemeClr val="lt1"/>
+    </dgm:txFillClrLst>
+    <dgm:txEffectClrLst/>
+  </dgm:styleLbl>
+  <dgm:styleLbl name="sibTrans2D1">
+    <dgm:fillClrLst meth="repeat">
+      <a:schemeClr val="accent1">
+        <a:tint val="60000"/>
+      </a:schemeClr>
+    </dgm:fillClrLst>
+    <dgm:linClrLst meth="repeat">
+      <a:schemeClr val="accent1">
+        <a:tint val="60000"/>
+      </a:schemeClr>
+    </dgm:linClrLst>
+    <dgm:effectClrLst/>
+    <dgm:txLinClrLst/>
+    <dgm:txFillClrLst/>
+    <dgm:txEffectClrLst/>
+  </dgm:styleLbl>
+  <dgm:styleLbl name="fgSibTrans2D1">
+    <dgm:fillClrLst meth="repeat">
+      <a:schemeClr val="accent1">
+        <a:tint val="60000"/>
+      </a:schemeClr>
+    </dgm:fillClrLst>
+    <dgm:linClrLst meth="repeat">
+      <a:schemeClr val="accent1">
+        <a:tint val="60000"/>
+      </a:schemeClr>
+    </dgm:linClrLst>
+    <dgm:effectClrLst/>
+    <dgm:txLinClrLst/>
+    <dgm:txFillClrLst/>
+    <dgm:txEffectClrLst/>
+  </dgm:styleLbl>
+  <dgm:styleLbl name="bgSibTrans2D1">
+    <dgm:fillClrLst meth="repeat">
+      <a:schemeClr val="accent1">
+        <a:tint val="60000"/>
+      </a:schemeClr>
+    </dgm:fillClrLst>
+    <dgm:linClrLst meth="repeat">
+      <a:schemeClr val="accent1">
+        <a:tint val="60000"/>
+      </a:schemeClr>
+    </dgm:linClrLst>
+    <dgm:effectClrLst/>
+    <dgm:txLinClrLst/>
+    <dgm:txFillClrLst/>
+    <dgm:txEffectClrLst/>
+  </dgm:styleLbl>
+  <dgm:styleLbl name="sibTrans1D1">
+    <dgm:fillClrLst meth="repeat">
+      <a:schemeClr val="accent1"/>
+    </dgm:fillClrLst>
+    <dgm:linClrLst meth="repeat">
+      <a:schemeClr val="accent1"/>
+    </dgm:linClrLst>
+    <dgm:effectClrLst/>
+    <dgm:txLinClrLst/>
+    <dgm:txFillClrLst meth="repeat">
+      <a:schemeClr val="tx1"/>
+    </dgm:txFillClrLst>
+    <dgm:txEffectClrLst/>
+  </dgm:styleLbl>
+  <dgm:styleLbl name="callout">
+    <dgm:fillClrLst meth="repeat">
+      <a:schemeClr val="accent1"/>
+    </dgm:fillClrLst>
+    <dgm:linClrLst meth="repeat">
+      <a:schemeClr val="accent1">
+        <a:tint val="50000"/>
+      </a:schemeClr>
+    </dgm:linClrLst>
+    <dgm:effectClrLst/>
+    <dgm:txLinClrLst/>
+    <dgm:txFillClrLst meth="repeat">
+      <a:schemeClr val="tx1"/>
+    </dgm:txFillClrLst>
+    <dgm:txEffectClrLst/>
+  </dgm:styleLbl>
+  <dgm:styleLbl name="asst0">
+    <dgm:fillClrLst meth="repeat">
+      <a:schemeClr val="accent1"/>
+    </dgm:fillClrLst>
+    <dgm:linClrLst meth="repeat">
+      <a:schemeClr val="lt1"/>
+    </dgm:linClrLst>
+    <dgm:effectClrLst/>
+    <dgm:txLinClrLst/>
+    <dgm:txFillClrLst/>
+    <dgm:txEffectClrLst/>
+  </dgm:styleLbl>
+  <dgm:styleLbl name="asst1">
+    <dgm:fillClrLst meth="repeat">
+      <a:schemeClr val="accent1"/>
+    </dgm:fillClrLst>
+    <dgm:linClrLst meth="repeat">
+      <a:schemeClr val="lt1"/>
+    </dgm:linClrLst>
+    <dgm:effectClrLst/>
+    <dgm:txLinClrLst/>
+    <dgm:txFillClrLst/>
+    <dgm:txEffectClrLst/>
+  </dgm:styleLbl>
+  <dgm:styleLbl name="asst2">
+    <dgm:fillClrLst meth="repeat">
+      <a:schemeClr val="accent1"/>
+    </dgm:fillClrLst>
+    <dgm:linClrLst meth="repeat">
+      <a:schemeClr val="lt1"/>
+    </dgm:linClrLst>
+    <dgm:effectClrLst/>
+    <dgm:txLinClrLst/>
+    <dgm:txFillClrLst/>
+    <dgm:txEffectClrLst/>
+  </dgm:styleLbl>
+  <dgm:styleLbl name="asst3">
+    <dgm:fillClrLst meth="repeat">
+      <a:schemeClr val="accent1"/>
+    </dgm:fillClrLst>
+    <dgm:linClrLst meth="repeat">
+      <a:schemeClr val="lt1"/>
+    </dgm:linClrLst>
+    <dgm:effectClrLst/>
+    <dgm:txLinClrLst/>
+    <dgm:txFillClrLst/>
+    <dgm:txEffectClrLst/>
+  </dgm:styleLbl>
+  <dgm:styleLbl name="asst4">
+    <dgm:fillClrLst meth="repeat">
+      <a:schemeClr val="accent1"/>
+    </dgm:fillClrLst>
+    <dgm:linClrLst meth="repeat">
+      <a:schemeClr val="lt1"/>
+    </dgm:linClrLst>
+    <dgm:effectClrLst/>
+    <dgm:txLinClrLst/>
+    <dgm:txFillClrLst/>
+    <dgm:txEffectClrLst/>
+  </dgm:styleLbl>
+  <dgm:styleLbl name="parChTrans2D1">
+    <dgm:fillClrLst meth="repeat">
+      <a:schemeClr val="accent1">
+        <a:tint val="60000"/>
+      </a:schemeClr>
+    </dgm:fillClrLst>
+    <dgm:linClrLst meth="repeat">
+      <a:schemeClr val="accent1">
+        <a:tint val="60000"/>
+      </a:schemeClr>
+    </dgm:linClrLst>
+    <dgm:effectClrLst/>
+    <dgm:txLinClrLst/>
+    <dgm:txFillClrLst meth="repeat">
+      <a:schemeClr val="lt1"/>
+    </dgm:txFillClrLst>
+    <dgm:txEffectClrLst/>
+  </dgm:styleLbl>
+  <dgm:styleLbl name="parChTrans2D2">
+    <dgm:fillClrLst meth="repeat">
+      <a:schemeClr val="accent1"/>
+    </dgm:fillClrLst>
+    <dgm:linClrLst meth="repeat">
+      <a:schemeClr val="accent1"/>
+    </dgm:linClrLst>
+    <dgm:effectClrLst/>
+    <dgm:txLinClrLst/>
+    <dgm:txFillClrLst meth="repeat">
+      <a:schemeClr val="lt1"/>
+    </dgm:txFillClrLst>
+    <dgm:txEffectClrLst/>
+  </dgm:styleLbl>
+  <dgm:styleLbl name="parChTrans2D3">
+    <dgm:fillClrLst meth="repeat">
+      <a:schemeClr val="accent1"/>
+    </dgm:fillClrLst>
+    <dgm:linClrLst meth="repeat">
+      <a:schemeClr val="accent1"/>
+    </dgm:linClrLst>
+    <dgm:effectClrLst/>
+    <dgm:txLinClrLst/>
+    <dgm:txFillClrLst meth="repeat">
+      <a:schemeClr val="lt1"/>
+    </dgm:txFillClrLst>
+    <dgm:txEffectClrLst/>
+  </dgm:styleLbl>
+  <dgm:styleLbl name="parChTrans2D4">
+    <dgm:fillClrLst meth="repeat">
+      <a:schemeClr val="accent1"/>
+    </dgm:fillClrLst>
+    <dgm:linClrLst meth="repeat">
+      <a:schemeClr val="accent1"/>
+    </dgm:linClrLst>
+    <dgm:effectClrLst/>
+    <dgm:txLinClrLst/>
+    <dgm:txFillClrLst meth="repeat">
+      <a:schemeClr val="lt1"/>
+    </dgm:txFillClrLst>
+    <dgm:txEffectClrLst/>
+  </dgm:styleLbl>
+  <dgm:styleLbl name="parChTrans1D1">
+    <dgm:fillClrLst meth="repeat">
+      <a:schemeClr val="accent1"/>
+    </dgm:fillClrLst>
+    <dgm:linClrLst meth="repeat">
+      <a:schemeClr val="accent1">
+        <a:shade val="60000"/>
+      </a:schemeClr>
+    </dgm:linClrLst>
+    <dgm:effectClrLst/>
+    <dgm:txLinClrLst/>
+    <dgm:txFillClrLst meth="repeat">
+      <a:schemeClr val="tx1"/>
+    </dgm:txFillClrLst>
+    <dgm:txEffectClrLst/>
+  </dgm:styleLbl>
+  <dgm:styleLbl name="parChTrans1D2">
+    <dgm:fillClrLst meth="repeat">
+      <a:schemeClr val="accent1"/>
+    </dgm:fillClrLst>
+    <dgm:linClrLst meth="repeat">
+      <a:schemeClr val="accent1">
+        <a:shade val="60000"/>
+      </a:schemeClr>
+    </dgm:linClrLst>
+    <dgm:effectClrLst/>
+    <dgm:txLinClrLst/>
+    <dgm:txFillClrLst meth="repeat">
+      <a:schemeClr val="tx1"/>
+    </dgm:txFillClrLst>
+    <dgm:txEffectClrLst/>
+  </dgm:styleLbl>
+  <dgm:styleLbl name="parChTrans1D3">
+    <dgm:fillClrLst meth="repeat">
+      <a:schemeClr val="accent1"/>
+    </dgm:fillClrLst>
+    <dgm:linClrLst meth="repeat">
+      <a:schemeClr val="accent1">
+        <a:shade val="80000"/>
+      </a:schemeClr>
+    </dgm:linClrLst>
+    <dgm:effectClrLst/>
+    <dgm:txLinClrLst/>
+    <dgm:txFillClrLst meth="repeat">
+      <a:schemeClr val="tx1"/>
+    </dgm:txFillClrLst>
+    <dgm:txEffectClrLst/>
+  </dgm:styleLbl>
+  <dgm:styleLbl name="parChTrans1D4">
+    <dgm:fillClrLst meth="repeat">
+      <a:schemeClr val="accent1"/>
+    </dgm:fillClrLst>
+    <dgm:linClrLst meth="repeat">
+      <a:schemeClr val="accent1">
+        <a:shade val="80000"/>
+      </a:schemeClr>
+    </dgm:linClrLst>
+    <dgm:effectClrLst/>
+    <dgm:txLinClrLst/>
+    <dgm:txFillClrLst meth="repeat">
+      <a:schemeClr val="tx1"/>
+    </dgm:txFillClrLst>
+    <dgm:txEffectClrLst/>
+  </dgm:styleLbl>
+  <dgm:styleLbl name="fgAcc1">
+    <dgm:fillClrLst meth="repeat">
+      <a:schemeClr val="lt1">
+        <a:alpha val="90000"/>
+      </a:schemeClr>
+    </dgm:fillClrLst>
+    <dgm:linClrLst meth="repeat">
+      <a:schemeClr val="accent1"/>
+    </dgm:linClrLst>
+    <dgm:effectClrLst/>
+    <dgm:txLinClrLst/>
+    <dgm:txFillClrLst meth="repeat">
+      <a:schemeClr val="dk1"/>
+    </dgm:txFillClrLst>
+    <dgm:txEffectClrLst/>
+  </dgm:styleLbl>
+  <dgm:styleLbl name="conFgAcc1">
+    <dgm:fillClrLst meth="repeat">
+      <a:schemeClr val="lt1">
+        <a:alpha val="90000"/>
+      </a:schemeClr>
+    </dgm:fillClrLst>
+    <dgm:linClrLst meth="repeat">
+      <a:schemeClr val="accent1"/>
+    </dgm:linClrLst>
+    <dgm:effectClrLst/>
+    <dgm:txLinClrLst/>
+    <dgm:txFillClrLst meth="repeat">
+      <a:schemeClr val="dk1"/>
+    </dgm:txFillClrLst>
+    <dgm:txEffectClrLst/>
+  </dgm:styleLbl>
+  <dgm:styleLbl name="alignAcc1">
+    <dgm:fillClrLst meth="repeat">
+      <a:schemeClr val="lt1">
+        <a:alpha val="90000"/>
+      </a:schemeClr>
+    </dgm:fillClrLst>
+    <dgm:linClrLst meth="repeat">
+      <a:schemeClr val="accent1"/>
+    </dgm:linClrLst>
+    <dgm:effectClrLst/>
+    <dgm:txLinClrLst/>
+    <dgm:txFillClrLst meth="repeat">
+      <a:schemeClr val="dk1"/>
+    </dgm:txFillClrLst>
+    <dgm:txEffectClrLst/>
+  </dgm:styleLbl>
+  <dgm:styleLbl name="trAlignAcc1">
+    <dgm:fillClrLst meth="repeat">
+      <a:schemeClr val="lt1">
+        <a:alpha val="40000"/>
+      </a:schemeClr>
+    </dgm:fillClrLst>
+    <dgm:linClrLst meth="repeat">
+      <a:schemeClr val="accent1"/>
+    </dgm:linClrLst>
+    <dgm:effectClrLst/>
+    <dgm:txLinClrLst/>
+    <dgm:txFillClrLst meth="repeat">
+      <a:schemeClr val="dk1"/>
+    </dgm:txFillClrLst>
+    <dgm:txEffectClrLst/>
+  </dgm:styleLbl>
+  <dgm:styleLbl name="bgAcc1">
+    <dgm:fillClrLst meth="repeat">
+      <a:schemeClr val="lt1">
+        <a:alpha val="90000"/>
+      </a:schemeClr>
+    </dgm:fillClrLst>
+    <dgm:linClrLst meth="repeat">
+      <a:schemeClr val="accent1"/>
+    </dgm:linClrLst>
+    <dgm:effectClrLst/>
+    <dgm:txLinClrLst/>
+    <dgm:txFillClrLst meth="repeat">
+      <a:schemeClr val="dk1"/>
+    </dgm:txFillClrLst>
+    <dgm:txEffectClrLst/>
+  </dgm:styleLbl>
+  <dgm:styleLbl name="solidFgAcc1">
+    <dgm:fillClrLst meth="repeat">
+      <a:schemeClr val="lt1"/>
+    </dgm:fillClrLst>
+    <dgm:linClrLst meth="repeat">
+      <a:schemeClr val="accent1"/>
+    </dgm:linClrLst>
+    <dgm:effectClrLst/>
+    <dgm:txLinClrLst/>
+    <dgm:txFillClrLst meth="repeat">
+      <a:schemeClr val="dk1"/>
+    </dgm:txFillClrLst>
+    <dgm:txEffectClrLst/>
+  </dgm:styleLbl>
+  <dgm:styleLbl name="solidAlignAcc1">
+    <dgm:fillClrLst meth="repeat">
+      <a:schemeClr val="lt1"/>
+    </dgm:fillClrLst>
+    <dgm:linClrLst meth="repeat">
+      <a:schemeClr val="accent1"/>
+    </dgm:linClrLst>
+    <dgm:effectClrLst/>
+    <dgm:txLinClrLst/>
+    <dgm:txFillClrLst meth="repeat">
+      <a:schemeClr val="dk1"/>
+    </dgm:txFillClrLst>
+    <dgm:txEffectClrLst/>
+  </dgm:styleLbl>
+  <dgm:styleLbl name="solidBgAcc1">
+    <dgm:fillClrLst meth="repeat">
+      <a:schemeClr val="lt1"/>
+    </dgm:fillClrLst>
+    <dgm:linClrLst meth="repeat">
+      <a:schemeClr val="accent1"/>
+    </dgm:linClrLst>
+    <dgm:effectClrLst/>
+    <dgm:txLinClrLst/>
+    <dgm:txFillClrLst meth="repeat">
+      <a:schemeClr val="dk1"/>
+    </dgm:txFillClrLst>
+    <dgm:txEffectClrLst/>
+  </dgm:styleLbl>
+  <dgm:styleLbl name="fgAccFollowNode1">
+    <dgm:fillClrLst meth="repeat">
+      <a:schemeClr val="accent1">
+        <a:alpha val="90000"/>
+        <a:tint val="40000"/>
+      </a:schemeClr>
+    </dgm:fillClrLst>
+    <dgm:linClrLst meth="repeat">
+      <a:schemeClr val="accent1">
+        <a:alpha val="90000"/>
+        <a:tint val="40000"/>
+      </a:schemeClr>
+    </dgm:linClrLst>
+    <dgm:effectClrLst/>
+    <dgm:txLinClrLst/>
+    <dgm:txFillClrLst meth="repeat">
+      <a:schemeClr val="dk1"/>
+    </dgm:txFillClrLst>
+    <dgm:txEffectClrLst/>
+  </dgm:styleLbl>
+  <dgm:styleLbl name="alignAccFollowNode1">
+    <dgm:fillClrLst meth="repeat">
+      <a:schemeClr val="accent1">
+        <a:alpha val="90000"/>
+        <a:tint val="40000"/>
+      </a:schemeClr>
+    </dgm:fillClrLst>
+    <dgm:linClrLst meth="repeat">
+      <a:schemeClr val="accent1">
+        <a:alpha val="90000"/>
+        <a:tint val="40000"/>
+      </a:schemeClr>
+    </dgm:linClrLst>
+    <dgm:effectClrLst/>
+    <dgm:txLinClrLst/>
+    <dgm:txFillClrLst meth="repeat">
+      <a:schemeClr val="dk1"/>
+    </dgm:txFillClrLst>
+    <dgm:txEffectClrLst/>
+  </dgm:styleLbl>
+  <dgm:styleLbl name="bgAccFollowNode1">
+    <dgm:fillClrLst meth="repeat">
+      <a:schemeClr val="accent1">
+        <a:alpha val="90000"/>
+        <a:tint val="40000"/>
+      </a:schemeClr>
+    </dgm:fillClrLst>
+    <dgm:linClrLst meth="repeat">
+      <a:schemeClr val="accent1">
+        <a:alpha val="90000"/>
+        <a:tint val="40000"/>
+      </a:schemeClr>
+    </dgm:linClrLst>
+    <dgm:effectClrLst/>
+    <dgm:txLinClrLst/>
+    <dgm:txFillClrLst meth="repeat">
+      <a:schemeClr val="dk1"/>
+    </dgm:txFillClrLst>
+    <dgm:txEffectClrLst/>
+  </dgm:styleLbl>
+  <dgm:styleLbl name="fgAcc0">
+    <dgm:fillClrLst meth="repeat">
+      <a:schemeClr val="lt1">
+        <a:alpha val="90000"/>
+      </a:schemeClr>
+    </dgm:fillClrLst>
+    <dgm:linClrLst meth="repeat">
+      <a:schemeClr val="accent1"/>
+    </dgm:linClrLst>
+    <dgm:effectClrLst/>
+    <dgm:txLinClrLst/>
+    <dgm:txFillClrLst meth="repeat">
+      <a:schemeClr val="dk1"/>
+    </dgm:txFillClrLst>
+    <dgm:txEffectClrLst/>
+  </dgm:styleLbl>
+  <dgm:styleLbl name="fgAcc2">
+    <dgm:fillClrLst meth="repeat">
+      <a:schemeClr val="lt1">
+        <a:alpha val="90000"/>
+      </a:schemeClr>
+    </dgm:fillClrLst>
+    <dgm:linClrLst meth="repeat">
+      <a:schemeClr val="accent1"/>
+    </dgm:linClrLst>
+    <dgm:effectClrLst/>
+    <dgm:txLinClrLst/>
+    <dgm:txFillClrLst meth="repeat">
+      <a:schemeClr val="dk1"/>
+    </dgm:txFillClrLst>
+    <dgm:txEffectClrLst/>
+  </dgm:styleLbl>
+  <dgm:styleLbl name="fgAcc3">
+    <dgm:fillClrLst meth="repeat">
+      <a:schemeClr val="lt1">
+        <a:alpha val="90000"/>
+      </a:schemeClr>
+    </dgm:fillClrLst>
+    <dgm:linClrLst meth="repeat">
+      <a:schemeClr val="accent1"/>
+    </dgm:linClrLst>
+    <dgm:effectClrLst/>
+    <dgm:txLinClrLst/>
+    <dgm:txFillClrLst meth="repeat">
+      <a:schemeClr val="dk1"/>
+    </dgm:txFillClrLst>
+    <dgm:txEffectClrLst/>
+  </dgm:styleLbl>
+  <dgm:styleLbl name="fgAcc4">
+    <dgm:fillClrLst meth="repeat">
+      <a:schemeClr val="lt1">
+        <a:alpha val="90000"/>
+      </a:schemeClr>
+    </dgm:fillClrLst>
+    <dgm:linClrLst meth="repeat">
+      <a:schemeClr val="accent1"/>
+    </dgm:linClrLst>
+    <dgm:effectClrLst/>
+    <dgm:txLinClrLst/>
+    <dgm:txFillClrLst meth="repeat">
+      <a:schemeClr val="dk1"/>
+    </dgm:txFillClrLst>
+    <dgm:txEffectClrLst/>
+  </dgm:styleLbl>
+  <dgm:styleLbl name="bgShp">
+    <dgm:fillClrLst meth="repeat">
+      <a:schemeClr val="accent1">
+        <a:tint val="40000"/>
+      </a:schemeClr>
+    </dgm:fillClrLst>
+    <dgm:linClrLst meth="repeat">
+      <a:schemeClr val="accent1"/>
+    </dgm:linClrLst>
+    <dgm:effectClrLst/>
+    <dgm:txLinClrLst/>
+    <dgm:txFillClrLst meth="repeat">
+      <a:schemeClr val="dk1"/>
+    </dgm:txFillClrLst>
+    <dgm:txEffectClrLst/>
+  </dgm:styleLbl>
+  <dgm:styleLbl name="dkBgShp">
+    <dgm:fillClrLst meth="repeat">
+      <a:schemeClr val="accent1">
+        <a:shade val="80000"/>
+      </a:schemeClr>
+    </dgm:fillClrLst>
+    <dgm:linClrLst meth="repeat">
+      <a:schemeClr val="accent1"/>
+    </dgm:linClrLst>
+    <dgm:effectClrLst/>
+    <dgm:txLinClrLst/>
+    <dgm:txFillClrLst meth="repeat">
+      <a:schemeClr val="lt1"/>
+    </dgm:txFillClrLst>
+    <dgm:txEffectClrLst/>
+  </dgm:styleLbl>
+  <dgm:styleLbl name="trBgShp">
+    <dgm:fillClrLst meth="repeat">
+      <a:schemeClr val="accent1">
+        <a:tint val="50000"/>
+        <a:alpha val="40000"/>
+      </a:schemeClr>
+    </dgm:fillClrLst>
+    <dgm:linClrLst meth="repeat">
+      <a:schemeClr val="accent1"/>
+    </dgm:linClrLst>
+    <dgm:effectClrLst/>
+    <dgm:txLinClrLst/>
+    <dgm:txFillClrLst meth="repeat">
+      <a:schemeClr val="lt1"/>
+    </dgm:txFillClrLst>
+    <dgm:txEffectClrLst/>
+  </dgm:styleLbl>
+  <dgm:styleLbl name="fgShp">
+    <dgm:fillClrLst meth="repeat">
+      <a:schemeClr val="accent1">
+        <a:tint val="60000"/>
+      </a:schemeClr>
+    </dgm:fillClrLst>
+    <dgm:linClrLst meth="repeat">
+      <a:schemeClr val="lt1"/>
+    </dgm:linClrLst>
+    <dgm:effectClrLst/>
+    <dgm:txLinClrLst/>
+    <dgm:txFillClrLst meth="repeat">
+      <a:schemeClr val="dk1"/>
+    </dgm:txFillClrLst>
+    <dgm:txEffectClrLst/>
+  </dgm:styleLbl>
+  <dgm:styleLbl name="revTx">
+    <dgm:fillClrLst meth="repeat">
+      <a:schemeClr val="lt1">
+        <a:alpha val="0"/>
+      </a:schemeClr>
+    </dgm:fillClrLst>
+    <dgm:linClrLst meth="repeat">
+      <a:schemeClr val="dk1">
+        <a:alpha val="0"/>
+      </a:schemeClr>
+    </dgm:linClrLst>
+    <dgm:effectClrLst/>
+    <dgm:txLinClrLst/>
+    <dgm:txFillClrLst meth="repeat">
+      <a:schemeClr val="tx1"/>
+    </dgm:txFillClrLst>
+    <dgm:txEffectClrLst/>
+  </dgm:styleLbl>
+</dgm:colorsDef>
+</file>
+
+<file path=ppt/diagrams/data1.xml><?xml version="1.0" encoding="utf-8"?>
+<dgm:dataModel xmlns:dgm="http://schemas.openxmlformats.org/drawingml/2006/diagram" xmlns:a="http://schemas.openxmlformats.org/drawingml/2006/main">
+  <dgm:ptLst>
+    <dgm:pt modelId="{5F06B26B-24FE-4AEC-93FD-642535DD91AE}" type="doc">
+      <dgm:prSet loTypeId="urn:microsoft.com/office/officeart/2005/8/layout/vList2" loCatId="list" qsTypeId="urn:microsoft.com/office/officeart/2005/8/quickstyle/simple1" qsCatId="simple" csTypeId="urn:microsoft.com/office/officeart/2005/8/colors/accent1_2" csCatId="accent1"/>
+      <dgm:spPr/>
+      <dgm:t>
+        <a:bodyPr/>
+        <a:lstStyle/>
+        <a:p>
+          <a:endParaRPr lang="ru-RU"/>
+        </a:p>
+      </dgm:t>
+    </dgm:pt>
+    <dgm:pt modelId="{9ACA081B-9B48-4DE7-8E4A-081B1839B7E3}">
+      <dgm:prSet/>
+      <dgm:spPr/>
+      <dgm:t>
+        <a:bodyPr/>
+        <a:lstStyle/>
+        <a:p>
+          <a:pPr rtl="0"/>
+          <a:r>
+            <a:rPr lang="ru-RU" dirty="0" smtClean="0"/>
+            <a:t>Провести тестирование представленной учебной программы и устранить недочеты.</a:t>
+          </a:r>
+          <a:endParaRPr lang="ru-RU" dirty="0"/>
+        </a:p>
+      </dgm:t>
+    </dgm:pt>
+    <dgm:pt modelId="{49F0AAB5-FE44-4ACF-B613-F88AFDD7F7DE}" type="parTrans" cxnId="{9D0E0F4D-3255-4EBD-A30F-816F4ADA83E5}">
+      <dgm:prSet/>
+      <dgm:spPr/>
+      <dgm:t>
+        <a:bodyPr/>
+        <a:lstStyle/>
+        <a:p>
+          <a:endParaRPr lang="ru-RU"/>
+        </a:p>
+      </dgm:t>
+    </dgm:pt>
+    <dgm:pt modelId="{97C69FD3-560B-4B2E-BD5E-6454C277A2CB}" type="sibTrans" cxnId="{9D0E0F4D-3255-4EBD-A30F-816F4ADA83E5}">
+      <dgm:prSet/>
+      <dgm:spPr/>
+      <dgm:t>
+        <a:bodyPr/>
+        <a:lstStyle/>
+        <a:p>
+          <a:endParaRPr lang="ru-RU"/>
+        </a:p>
+      </dgm:t>
+    </dgm:pt>
+    <dgm:pt modelId="{FBF35F57-D3A6-4EF4-ADEE-6C8C07FBD1DF}">
+      <dgm:prSet/>
+      <dgm:spPr/>
+      <dgm:t>
+        <a:bodyPr/>
+        <a:lstStyle/>
+        <a:p>
+          <a:pPr rtl="0"/>
+          <a:r>
+            <a:rPr lang="ru-RU" dirty="0" smtClean="0"/>
+            <a:t>Разместить программный продукт на </a:t>
+          </a:r>
+          <a:r>
+            <a:rPr lang="ru-RU" dirty="0" err="1" smtClean="0"/>
+            <a:t>веб-хостинге</a:t>
+          </a:r>
+          <a:r>
+            <a:rPr lang="ru-RU" dirty="0" smtClean="0"/>
+            <a:t>.</a:t>
+          </a:r>
+          <a:endParaRPr lang="ru-RU" dirty="0"/>
+        </a:p>
+      </dgm:t>
+    </dgm:pt>
+    <dgm:pt modelId="{F33EDB6C-520F-4B2B-86DA-DA32297E58F7}" type="parTrans" cxnId="{819A044C-E27A-4063-9B69-309204EFB4BD}">
+      <dgm:prSet/>
+      <dgm:spPr/>
+      <dgm:t>
+        <a:bodyPr/>
+        <a:lstStyle/>
+        <a:p>
+          <a:endParaRPr lang="ru-RU"/>
+        </a:p>
+      </dgm:t>
+    </dgm:pt>
+    <dgm:pt modelId="{5028D5DE-D4A2-4DCE-978D-647EF6835378}" type="sibTrans" cxnId="{819A044C-E27A-4063-9B69-309204EFB4BD}">
+      <dgm:prSet/>
+      <dgm:spPr/>
+      <dgm:t>
+        <a:bodyPr/>
+        <a:lstStyle/>
+        <a:p>
+          <a:endParaRPr lang="ru-RU"/>
+        </a:p>
+      </dgm:t>
+    </dgm:pt>
+    <dgm:pt modelId="{3DF88025-0560-47E4-B3EA-40D23309F35F}">
+      <dgm:prSet/>
+      <dgm:spPr/>
+      <dgm:t>
+        <a:bodyPr/>
+        <a:lstStyle/>
+        <a:p>
+          <a:pPr rtl="0"/>
+          <a:r>
+            <a:rPr lang="ru-RU" dirty="0" smtClean="0"/>
+            <a:t>Разработать руководство пользователя.</a:t>
+          </a:r>
+          <a:endParaRPr lang="ru-RU" dirty="0"/>
+        </a:p>
+      </dgm:t>
+    </dgm:pt>
+    <dgm:pt modelId="{7B586895-AFF3-47DC-9E03-B6B314FF4FB2}" type="parTrans" cxnId="{584E9DBD-ABF3-474B-B242-52BBEC0DD39E}">
+      <dgm:prSet/>
+      <dgm:spPr/>
+      <dgm:t>
+        <a:bodyPr/>
+        <a:lstStyle/>
+        <a:p>
+          <a:endParaRPr lang="ru-RU"/>
+        </a:p>
+      </dgm:t>
+    </dgm:pt>
+    <dgm:pt modelId="{BCE08D12-9A24-4572-A68C-D6617E7A7470}" type="sibTrans" cxnId="{584E9DBD-ABF3-474B-B242-52BBEC0DD39E}">
+      <dgm:prSet/>
+      <dgm:spPr/>
+      <dgm:t>
+        <a:bodyPr/>
+        <a:lstStyle/>
+        <a:p>
+          <a:endParaRPr lang="ru-RU"/>
+        </a:p>
+      </dgm:t>
+    </dgm:pt>
+    <dgm:pt modelId="{65D59E53-9DBA-4459-A34A-1B4202A695DA}" type="pres">
+      <dgm:prSet presAssocID="{5F06B26B-24FE-4AEC-93FD-642535DD91AE}" presName="linear" presStyleCnt="0">
+        <dgm:presLayoutVars>
+          <dgm:animLvl val="lvl"/>
+          <dgm:resizeHandles val="exact"/>
+        </dgm:presLayoutVars>
+      </dgm:prSet>
+      <dgm:spPr/>
+    </dgm:pt>
+    <dgm:pt modelId="{3BA0E583-05F5-46E0-9E85-7CC44C55A4E5}" type="pres">
+      <dgm:prSet presAssocID="{9ACA081B-9B48-4DE7-8E4A-081B1839B7E3}" presName="parentText" presStyleLbl="node1" presStyleIdx="0" presStyleCnt="3">
+        <dgm:presLayoutVars>
+          <dgm:chMax val="0"/>
+          <dgm:bulletEnabled val="1"/>
+        </dgm:presLayoutVars>
+      </dgm:prSet>
+      <dgm:spPr/>
+    </dgm:pt>
+    <dgm:pt modelId="{E53E0C53-16A6-4759-A040-924014A3C143}" type="pres">
+      <dgm:prSet presAssocID="{97C69FD3-560B-4B2E-BD5E-6454C277A2CB}" presName="spacer" presStyleCnt="0"/>
+      <dgm:spPr/>
+    </dgm:pt>
+    <dgm:pt modelId="{DD627BDF-88BC-47A8-B81D-0FDB71BAC951}" type="pres">
+      <dgm:prSet presAssocID="{FBF35F57-D3A6-4EF4-ADEE-6C8C07FBD1DF}" presName="parentText" presStyleLbl="node1" presStyleIdx="1" presStyleCnt="3">
+        <dgm:presLayoutVars>
+          <dgm:chMax val="0"/>
+          <dgm:bulletEnabled val="1"/>
+        </dgm:presLayoutVars>
+      </dgm:prSet>
+      <dgm:spPr/>
+    </dgm:pt>
+    <dgm:pt modelId="{A3C207C3-723D-415B-8C34-570C6F0B9E69}" type="pres">
+      <dgm:prSet presAssocID="{5028D5DE-D4A2-4DCE-978D-647EF6835378}" presName="spacer" presStyleCnt="0"/>
+      <dgm:spPr/>
+    </dgm:pt>
+    <dgm:pt modelId="{33A9767F-F303-4216-89FD-26D55507FE20}" type="pres">
+      <dgm:prSet presAssocID="{3DF88025-0560-47E4-B3EA-40D23309F35F}" presName="parentText" presStyleLbl="node1" presStyleIdx="2" presStyleCnt="3">
+        <dgm:presLayoutVars>
+          <dgm:chMax val="0"/>
+          <dgm:bulletEnabled val="1"/>
+        </dgm:presLayoutVars>
+      </dgm:prSet>
+      <dgm:spPr/>
+    </dgm:pt>
+  </dgm:ptLst>
+  <dgm:cxnLst>
+    <dgm:cxn modelId="{9D0E0F4D-3255-4EBD-A30F-816F4ADA83E5}" srcId="{5F06B26B-24FE-4AEC-93FD-642535DD91AE}" destId="{9ACA081B-9B48-4DE7-8E4A-081B1839B7E3}" srcOrd="0" destOrd="0" parTransId="{49F0AAB5-FE44-4ACF-B613-F88AFDD7F7DE}" sibTransId="{97C69FD3-560B-4B2E-BD5E-6454C277A2CB}"/>
+    <dgm:cxn modelId="{F2AD2D0E-2C8B-4D09-A33A-5AD0EDA543AB}" type="presOf" srcId="{3DF88025-0560-47E4-B3EA-40D23309F35F}" destId="{33A9767F-F303-4216-89FD-26D55507FE20}" srcOrd="0" destOrd="0" presId="urn:microsoft.com/office/officeart/2005/8/layout/vList2"/>
+    <dgm:cxn modelId="{819A044C-E27A-4063-9B69-309204EFB4BD}" srcId="{5F06B26B-24FE-4AEC-93FD-642535DD91AE}" destId="{FBF35F57-D3A6-4EF4-ADEE-6C8C07FBD1DF}" srcOrd="1" destOrd="0" parTransId="{F33EDB6C-520F-4B2B-86DA-DA32297E58F7}" sibTransId="{5028D5DE-D4A2-4DCE-978D-647EF6835378}"/>
+    <dgm:cxn modelId="{584E9DBD-ABF3-474B-B242-52BBEC0DD39E}" srcId="{5F06B26B-24FE-4AEC-93FD-642535DD91AE}" destId="{3DF88025-0560-47E4-B3EA-40D23309F35F}" srcOrd="2" destOrd="0" parTransId="{7B586895-AFF3-47DC-9E03-B6B314FF4FB2}" sibTransId="{BCE08D12-9A24-4572-A68C-D6617E7A7470}"/>
+    <dgm:cxn modelId="{8612AF9C-8965-4FFE-8E6D-AC39915B0BEF}" type="presOf" srcId="{9ACA081B-9B48-4DE7-8E4A-081B1839B7E3}" destId="{3BA0E583-05F5-46E0-9E85-7CC44C55A4E5}" srcOrd="0" destOrd="0" presId="urn:microsoft.com/office/officeart/2005/8/layout/vList2"/>
+    <dgm:cxn modelId="{AE5DF30E-9327-49A9-90D8-E20F1A7E276A}" type="presOf" srcId="{5F06B26B-24FE-4AEC-93FD-642535DD91AE}" destId="{65D59E53-9DBA-4459-A34A-1B4202A695DA}" srcOrd="0" destOrd="0" presId="urn:microsoft.com/office/officeart/2005/8/layout/vList2"/>
+    <dgm:cxn modelId="{D1E9B627-CFE9-422D-8EAB-E8AE84D78E27}" type="presOf" srcId="{FBF35F57-D3A6-4EF4-ADEE-6C8C07FBD1DF}" destId="{DD627BDF-88BC-47A8-B81D-0FDB71BAC951}" srcOrd="0" destOrd="0" presId="urn:microsoft.com/office/officeart/2005/8/layout/vList2"/>
+    <dgm:cxn modelId="{58E6123C-314F-414E-B975-009195C54930}" type="presParOf" srcId="{65D59E53-9DBA-4459-A34A-1B4202A695DA}" destId="{3BA0E583-05F5-46E0-9E85-7CC44C55A4E5}" srcOrd="0" destOrd="0" presId="urn:microsoft.com/office/officeart/2005/8/layout/vList2"/>
+    <dgm:cxn modelId="{A1E4E499-1274-4E3C-A8D6-C1502ADC7855}" type="presParOf" srcId="{65D59E53-9DBA-4459-A34A-1B4202A695DA}" destId="{E53E0C53-16A6-4759-A040-924014A3C143}" srcOrd="1" destOrd="0" presId="urn:microsoft.com/office/officeart/2005/8/layout/vList2"/>
+    <dgm:cxn modelId="{F4A7D51A-4227-4B55-9B66-FA6CE13A129E}" type="presParOf" srcId="{65D59E53-9DBA-4459-A34A-1B4202A695DA}" destId="{DD627BDF-88BC-47A8-B81D-0FDB71BAC951}" srcOrd="2" destOrd="0" presId="urn:microsoft.com/office/officeart/2005/8/layout/vList2"/>
+    <dgm:cxn modelId="{C1AD2EC4-2788-4805-9E59-05D3F06061A8}" type="presParOf" srcId="{65D59E53-9DBA-4459-A34A-1B4202A695DA}" destId="{A3C207C3-723D-415B-8C34-570C6F0B9E69}" srcOrd="3" destOrd="0" presId="urn:microsoft.com/office/officeart/2005/8/layout/vList2"/>
+    <dgm:cxn modelId="{1D74F099-6A40-49F7-83F0-037D51CE855B}" type="presParOf" srcId="{65D59E53-9DBA-4459-A34A-1B4202A695DA}" destId="{33A9767F-F303-4216-89FD-26D55507FE20}" srcOrd="4" destOrd="0" presId="urn:microsoft.com/office/officeart/2005/8/layout/vList2"/>
+  </dgm:cxnLst>
+  <dgm:bg/>
+  <dgm:whole/>
+  <dgm:extLst>
+    <a:ext uri="http://schemas.microsoft.com/office/drawing/2008/diagram">
+      <dsp:dataModelExt xmlns:dsp="http://schemas.microsoft.com/office/drawing/2008/diagram" xmlns="" relId="rId6" minVer="http://schemas.openxmlformats.org/drawingml/2006/diagram"/>
+    </a:ext>
+  </dgm:extLst>
+</dgm:dataModel>
+</file>
+
+<file path=ppt/diagrams/drawing1.xml><?xml version="1.0" encoding="utf-8"?>
+<dsp:drawing xmlns:dgm="http://schemas.openxmlformats.org/drawingml/2006/diagram" xmlns:a="http://schemas.openxmlformats.org/drawingml/2006/main" xmlns:dsp="http://schemas.microsoft.com/office/drawing/2008/diagram">
+  <dsp:spTree>
+    <dsp:nvGrpSpPr>
+      <dsp:cNvPr id="0" name=""/>
+      <dsp:cNvGrpSpPr/>
+    </dsp:nvGrpSpPr>
+    <dsp:grpSpPr/>
+    <dsp:sp modelId="{3BA0E583-05F5-46E0-9E85-7CC44C55A4E5}">
+      <dsp:nvSpPr>
+        <dsp:cNvPr id="0" name=""/>
+        <dsp:cNvSpPr/>
+      </dsp:nvSpPr>
+      <dsp:spPr>
+        <a:xfrm>
+          <a:off x="0" y="46431"/>
+          <a:ext cx="8229600" cy="1312740"/>
+        </a:xfrm>
+        <a:prstGeom prst="roundRect">
+          <a:avLst/>
+        </a:prstGeom>
+        <a:solidFill>
+          <a:schemeClr val="accent1">
+            <a:hueOff val="0"/>
+            <a:satOff val="0"/>
+            <a:lumOff val="0"/>
+            <a:alphaOff val="0"/>
+          </a:schemeClr>
+        </a:solidFill>
+        <a:ln w="25400" cap="rnd" cmpd="sng" algn="ctr">
+          <a:solidFill>
+            <a:schemeClr val="lt1">
+              <a:hueOff val="0"/>
+              <a:satOff val="0"/>
+              <a:lumOff val="0"/>
+              <a:alphaOff val="0"/>
+            </a:schemeClr>
+          </a:solidFill>
+          <a:prstDash val="solid"/>
+        </a:ln>
+        <a:effectLst/>
+      </dsp:spPr>
+      <dsp:style>
+        <a:lnRef idx="2">
+          <a:scrgbClr r="0" g="0" b="0"/>
+        </a:lnRef>
+        <a:fillRef idx="1">
+          <a:scrgbClr r="0" g="0" b="0"/>
+        </a:fillRef>
+        <a:effectRef idx="0">
+          <a:scrgbClr r="0" g="0" b="0"/>
+        </a:effectRef>
+        <a:fontRef idx="minor">
+          <a:schemeClr val="lt1"/>
+        </a:fontRef>
+      </dsp:style>
+      <dsp:txBody>
+        <a:bodyPr spcFirstLastPara="0" vert="horz" wrap="square" lIns="125730" tIns="125730" rIns="125730" bIns="125730" numCol="1" spcCol="1270" anchor="ctr" anchorCtr="0">
+          <a:noAutofit/>
+        </a:bodyPr>
+        <a:lstStyle/>
+        <a:p>
+          <a:pPr lvl="0" algn="l" defTabSz="1466850" rtl="0">
+            <a:lnSpc>
+              <a:spcPct val="90000"/>
+            </a:lnSpc>
+            <a:spcBef>
+              <a:spcPct val="0"/>
+            </a:spcBef>
+            <a:spcAft>
+              <a:spcPct val="35000"/>
+            </a:spcAft>
+          </a:pPr>
+          <a:r>
+            <a:rPr lang="ru-RU" sz="3300" kern="1200" dirty="0" smtClean="0"/>
+            <a:t>Провести тестирование представленной учебной программы и устранить недочеты.</a:t>
+          </a:r>
+          <a:endParaRPr lang="ru-RU" sz="3300" kern="1200" dirty="0"/>
+        </a:p>
+      </dsp:txBody>
+      <dsp:txXfrm>
+        <a:off x="0" y="46431"/>
+        <a:ext cx="8229600" cy="1312740"/>
+      </dsp:txXfrm>
+    </dsp:sp>
+    <dsp:sp modelId="{DD627BDF-88BC-47A8-B81D-0FDB71BAC951}">
+      <dsp:nvSpPr>
+        <dsp:cNvPr id="0" name=""/>
+        <dsp:cNvSpPr/>
+      </dsp:nvSpPr>
+      <dsp:spPr>
+        <a:xfrm>
+          <a:off x="0" y="1454211"/>
+          <a:ext cx="8229600" cy="1312740"/>
+        </a:xfrm>
+        <a:prstGeom prst="roundRect">
+          <a:avLst/>
+        </a:prstGeom>
+        <a:solidFill>
+          <a:schemeClr val="accent1">
+            <a:hueOff val="0"/>
+            <a:satOff val="0"/>
+            <a:lumOff val="0"/>
+            <a:alphaOff val="0"/>
+          </a:schemeClr>
+        </a:solidFill>
+        <a:ln w="25400" cap="rnd" cmpd="sng" algn="ctr">
+          <a:solidFill>
+            <a:schemeClr val="lt1">
+              <a:hueOff val="0"/>
+              <a:satOff val="0"/>
+              <a:lumOff val="0"/>
+              <a:alphaOff val="0"/>
+            </a:schemeClr>
+          </a:solidFill>
+          <a:prstDash val="solid"/>
+        </a:ln>
+        <a:effectLst/>
+      </dsp:spPr>
+      <dsp:style>
+        <a:lnRef idx="2">
+          <a:scrgbClr r="0" g="0" b="0"/>
+        </a:lnRef>
+        <a:fillRef idx="1">
+          <a:scrgbClr r="0" g="0" b="0"/>
+        </a:fillRef>
+        <a:effectRef idx="0">
+          <a:scrgbClr r="0" g="0" b="0"/>
+        </a:effectRef>
+        <a:fontRef idx="minor">
+          <a:schemeClr val="lt1"/>
+        </a:fontRef>
+      </dsp:style>
+      <dsp:txBody>
+        <a:bodyPr spcFirstLastPara="0" vert="horz" wrap="square" lIns="125730" tIns="125730" rIns="125730" bIns="125730" numCol="1" spcCol="1270" anchor="ctr" anchorCtr="0">
+          <a:noAutofit/>
+        </a:bodyPr>
+        <a:lstStyle/>
+        <a:p>
+          <a:pPr lvl="0" algn="l" defTabSz="1466850" rtl="0">
+            <a:lnSpc>
+              <a:spcPct val="90000"/>
+            </a:lnSpc>
+            <a:spcBef>
+              <a:spcPct val="0"/>
+            </a:spcBef>
+            <a:spcAft>
+              <a:spcPct val="35000"/>
+            </a:spcAft>
+          </a:pPr>
+          <a:r>
+            <a:rPr lang="ru-RU" sz="3300" kern="1200" dirty="0" smtClean="0"/>
+            <a:t>Разместить программный продукт на </a:t>
+          </a:r>
+          <a:r>
+            <a:rPr lang="ru-RU" sz="3300" kern="1200" dirty="0" err="1" smtClean="0"/>
+            <a:t>веб-хостинге</a:t>
+          </a:r>
+          <a:r>
+            <a:rPr lang="ru-RU" sz="3300" kern="1200" dirty="0" smtClean="0"/>
+            <a:t>.</a:t>
+          </a:r>
+          <a:endParaRPr lang="ru-RU" sz="3300" kern="1200" dirty="0"/>
+        </a:p>
+      </dsp:txBody>
+      <dsp:txXfrm>
+        <a:off x="0" y="1454211"/>
+        <a:ext cx="8229600" cy="1312740"/>
+      </dsp:txXfrm>
+    </dsp:sp>
+    <dsp:sp modelId="{33A9767F-F303-4216-89FD-26D55507FE20}">
+      <dsp:nvSpPr>
+        <dsp:cNvPr id="0" name=""/>
+        <dsp:cNvSpPr/>
+      </dsp:nvSpPr>
+      <dsp:spPr>
+        <a:xfrm>
+          <a:off x="0" y="2861991"/>
+          <a:ext cx="8229600" cy="1312740"/>
+        </a:xfrm>
+        <a:prstGeom prst="roundRect">
+          <a:avLst/>
+        </a:prstGeom>
+        <a:solidFill>
+          <a:schemeClr val="accent1">
+            <a:hueOff val="0"/>
+            <a:satOff val="0"/>
+            <a:lumOff val="0"/>
+            <a:alphaOff val="0"/>
+          </a:schemeClr>
+        </a:solidFill>
+        <a:ln w="25400" cap="rnd" cmpd="sng" algn="ctr">
+          <a:solidFill>
+            <a:schemeClr val="lt1">
+              <a:hueOff val="0"/>
+              <a:satOff val="0"/>
+              <a:lumOff val="0"/>
+              <a:alphaOff val="0"/>
+            </a:schemeClr>
+          </a:solidFill>
+          <a:prstDash val="solid"/>
+        </a:ln>
+        <a:effectLst/>
+      </dsp:spPr>
+      <dsp:style>
+        <a:lnRef idx="2">
+          <a:scrgbClr r="0" g="0" b="0"/>
+        </a:lnRef>
+        <a:fillRef idx="1">
+          <a:scrgbClr r="0" g="0" b="0"/>
+        </a:fillRef>
+        <a:effectRef idx="0">
+          <a:scrgbClr r="0" g="0" b="0"/>
+        </a:effectRef>
+        <a:fontRef idx="minor">
+          <a:schemeClr val="lt1"/>
+        </a:fontRef>
+      </dsp:style>
+      <dsp:txBody>
+        <a:bodyPr spcFirstLastPara="0" vert="horz" wrap="square" lIns="125730" tIns="125730" rIns="125730" bIns="125730" numCol="1" spcCol="1270" anchor="ctr" anchorCtr="0">
+          <a:noAutofit/>
+        </a:bodyPr>
+        <a:lstStyle/>
+        <a:p>
+          <a:pPr lvl="0" algn="l" defTabSz="1466850" rtl="0">
+            <a:lnSpc>
+              <a:spcPct val="90000"/>
+            </a:lnSpc>
+            <a:spcBef>
+              <a:spcPct val="0"/>
+            </a:spcBef>
+            <a:spcAft>
+              <a:spcPct val="35000"/>
+            </a:spcAft>
+          </a:pPr>
+          <a:r>
+            <a:rPr lang="ru-RU" sz="3300" kern="1200" dirty="0" smtClean="0"/>
+            <a:t>Разработать руководство пользователя.</a:t>
+          </a:r>
+          <a:endParaRPr lang="ru-RU" sz="3300" kern="1200" dirty="0"/>
+        </a:p>
+      </dsp:txBody>
+      <dsp:txXfrm>
+        <a:off x="0" y="2861991"/>
+        <a:ext cx="8229600" cy="1312740"/>
+      </dsp:txXfrm>
+    </dsp:sp>
+  </dsp:spTree>
+</dsp:drawing>
+</file>
+
+<file path=ppt/diagrams/layout1.xml><?xml version="1.0" encoding="utf-8"?>
+<dgm:layoutDef xmlns:dgm="http://schemas.openxmlformats.org/drawingml/2006/diagram" xmlns:a="http://schemas.openxmlformats.org/drawingml/2006/main" uniqueId="urn:microsoft.com/office/officeart/2005/8/layout/vList2">
+  <dgm:title val=""/>
+  <dgm:desc val=""/>
+  <dgm:catLst>
+    <dgm:cat type="list" pri="3000"/>
+    <dgm:cat type="convert" pri="1000"/>
+  </dgm:catLst>
+  <dgm:sampData>
+    <dgm:dataModel>
+      <dgm:ptLst>
+        <dgm:pt modelId="0" type="doc"/>
+        <dgm:pt modelId="1">
+          <dgm:prSet phldr="1"/>
+        </dgm:pt>
+        <dgm:pt modelId="11">
+          <dgm:prSet phldr="1"/>
+        </dgm:pt>
+        <dgm:pt modelId="2">
+          <dgm:prSet phldr="1"/>
+        </dgm:pt>
+        <dgm:pt modelId="21">
+          <dgm:prSet phldr="1"/>
+        </dgm:pt>
+      </dgm:ptLst>
+      <dgm:cxnLst>
+        <dgm:cxn modelId="4" srcId="0" destId="1" srcOrd="0" destOrd="0"/>
+        <dgm:cxn modelId="5" srcId="0" destId="2" srcOrd="1" destOrd="0"/>
+        <dgm:cxn modelId="12" srcId="1" destId="11" srcOrd="0" destOrd="0"/>
+        <dgm:cxn modelId="23" srcId="2" destId="21" srcOrd="0" destOrd="0"/>
+      </dgm:cxnLst>
+      <dgm:bg/>
+      <dgm:whole/>
+    </dgm:dataModel>
+  </dgm:sampData>
+  <dgm:styleData>
+    <dgm:dataModel>
+      <dgm:ptLst>
+        <dgm:pt modelId="0" type="doc"/>
+        <dgm:pt modelId="1"/>
+        <dgm:pt modelId="2"/>
+      </dgm:ptLst>
+      <dgm:cxnLst>
+        <dgm:cxn modelId="3" srcId="0" destId="1" srcOrd="0" destOrd="0"/>
+        <dgm:cxn modelId="4" srcId="0" destId="2" srcOrd="1" destOrd="0"/>
+      </dgm:cxnLst>
+      <dgm:bg/>
+      <dgm:whole/>
+    </dgm:dataModel>
+  </dgm:styleData>
+  <dgm:clrData>
+    <dgm:dataModel>
+      <dgm:ptLst>
+        <dgm:pt modelId="0" type="doc"/>
+        <dgm:pt modelId="1"/>
+        <dgm:pt modelId="2"/>
+        <dgm:pt modelId="3"/>
+        <dgm:pt modelId="4"/>
+      </dgm:ptLst>
+      <dgm:cxnLst>
+        <dgm:cxn modelId="5" srcId="0" destId="1" srcOrd="0" destOrd="0"/>
+        <dgm:cxn modelId="6" srcId="0" destId="2" srcOrd="1" destOrd="0"/>
+        <dgm:cxn modelId="7" srcId="0" destId="3" srcOrd="2" destOrd="0"/>
+        <dgm:cxn modelId="8" srcId="0" destId="4" srcOrd="3" destOrd="0"/>
+      </dgm:cxnLst>
+      <dgm:bg/>
+      <dgm:whole/>
+    </dgm:dataModel>
+  </dgm:clrData>
+  <dgm:layoutNode name="linear">
+    <dgm:varLst>
+      <dgm:animLvl val="lvl"/>
+      <dgm:resizeHandles val="exact"/>
+    </dgm:varLst>
+    <dgm:alg type="lin">
+      <dgm:param type="linDir" val="fromT"/>
+      <dgm:param type="vertAlign" val="mid"/>
+    </dgm:alg>
+    <dgm:shape xmlns:r="http://schemas.openxmlformats.org/officeDocument/2006/relationships" r:blip="">
+      <dgm:adjLst/>
+    </dgm:shape>
+    <dgm:presOf/>
+    <dgm:constrLst>
+      <dgm:constr type="w" for="ch" forName="parentText" refType="w"/>
+      <dgm:constr type="h" for="ch" forName="parentText" refType="primFontSz" refFor="ch" refForName="parentText" fact="0.52"/>
+      <dgm:constr type="w" for="ch" forName="childText" refType="w"/>
+      <dgm:constr type="h" for="ch" forName="childText" refType="primFontSz" refFor="ch" refForName="parentText" fact="0.46"/>
+      <dgm:constr type="h" for="ch" forName="parentText" op="equ"/>
+      <dgm:constr type="primFontSz" for="ch" forName="parentText" op="equ" val="65"/>
+      <dgm:constr type="primFontSz" for="ch" forName="childText" refType="primFontSz" refFor="ch" refForName="parentText" op="equ"/>
+      <dgm:constr type="h" for="ch" forName="spacer" refType="primFontSz" refFor="ch" refForName="parentText" fact="0.08"/>
+    </dgm:constrLst>
+    <dgm:ruleLst>
+      <dgm:rule type="primFontSz" for="ch" forName="parentText" val="5" fact="NaN" max="NaN"/>
+    </dgm:ruleLst>
+    <dgm:forEach name="Name0" axis="ch" ptType="node">
+      <dgm:layoutNode name="parentText" styleLbl="node1">
+        <dgm:varLst>
+          <dgm:chMax val="0"/>
+          <dgm:bulletEnabled val="1"/>
+        </dgm:varLst>
+        <dgm:alg type="tx">
+          <dgm:param type="parTxLTRAlign" val="l"/>
+          <dgm:param type="parTxRTLAlign" val="r"/>
+        </dgm:alg>
+        <dgm:shape xmlns:r="http://schemas.openxmlformats.org/officeDocument/2006/relationships" type="roundRect" r:blip="">
+          <dgm:adjLst/>
+        </dgm:shape>
+        <dgm:presOf axis="self"/>
+        <dgm:constrLst>
+          <dgm:constr type="tMarg" refType="primFontSz" fact="0.3"/>
+          <dgm:constr type="bMarg" refType="primFontSz" fact="0.3"/>
+          <dgm:constr type="lMarg" refType="primFontSz" fact="0.3"/>
+          <dgm:constr type="rMarg" refType="primFontSz" fact="0.3"/>
+        </dgm:constrLst>
+        <dgm:ruleLst>
+          <dgm:rule type="h" val="INF" fact="NaN" max="NaN"/>
+        </dgm:ruleLst>
+      </dgm:layoutNode>
+      <dgm:choose name="Name1">
+        <dgm:if name="Name2" axis="ch" ptType="node" func="cnt" op="gte" val="1">
+          <dgm:layoutNode name="childText" styleLbl="revTx">
+            <dgm:varLst>
+              <dgm:bulletEnabled val="1"/>
+            </dgm:varLst>
+            <dgm:alg type="tx">
+              <dgm:param type="stBulletLvl" val="1"/>
+              <dgm:param type="lnSpAfChP" val="20"/>
+            </dgm:alg>
+            <dgm:shape xmlns:r="http://schemas.openxmlformats.org/officeDocument/2006/relationships" type="rect" r:blip="">
+              <dgm:adjLst/>
+            </dgm:shape>
+            <dgm:presOf axis="des" ptType="node"/>
+            <dgm:constrLst>
+              <dgm:constr type="tMarg" refType="primFontSz" fact="0.1"/>
+              <dgm:constr type="bMarg" refType="primFontSz" fact="0.1"/>
+              <dgm:constr type="lMarg" refType="w" fact="0.09"/>
+            </dgm:constrLst>
+            <dgm:ruleLst>
+              <dgm:rule type="h" val="INF" fact="NaN" max="NaN"/>
+            </dgm:ruleLst>
+          </dgm:layoutNode>
+        </dgm:if>
+        <dgm:else name="Name3">
+          <dgm:choose name="Name4">
+            <dgm:if name="Name5" axis="par ch" ptType="doc node" func="cnt" op="gte" val="2">
+              <dgm:forEach name="Name6" axis="followSib" ptType="sibTrans" cnt="1">
+                <dgm:layoutNode name="spacer">
+                  <dgm:alg type="sp"/>
+                  <dgm:shape xmlns:r="http://schemas.openxmlformats.org/officeDocument/2006/relationships" r:blip="">
+                    <dgm:adjLst/>
+                  </dgm:shape>
+                  <dgm:presOf/>
+                  <dgm:constrLst/>
+                  <dgm:ruleLst/>
+                </dgm:layoutNode>
+              </dgm:forEach>
+            </dgm:if>
+            <dgm:else name="Name7"/>
+          </dgm:choose>
+        </dgm:else>
+      </dgm:choose>
+    </dgm:forEach>
+  </dgm:layoutNode>
+</dgm:layoutDef>
+</file>
+
+<file path=ppt/diagrams/quickStyle1.xml><?xml version="1.0" encoding="utf-8"?>
+<dgm:styleDef xmlns:dgm="http://schemas.openxmlformats.org/drawingml/2006/diagram" xmlns:a="http://schemas.openxmlformats.org/drawingml/2006/main" uniqueId="urn:microsoft.com/office/officeart/2005/8/quickstyle/simple1">
+  <dgm:title val=""/>
+  <dgm:desc val=""/>
+  <dgm:catLst>
+    <dgm:cat type="simple" pri="10100"/>
+  </dgm:catLst>
+  <dgm:scene3d>
+    <a:camera prst="orthographicFront"/>
+    <a:lightRig rig="threePt" dir="t"/>
+  </dgm:scene3d>
+  <dgm:styleLbl name="node0">
+    <dgm:scene3d>
+      <a:camera prst="orthographicFront"/>
+      <a:lightRig rig="threePt" dir="t"/>
+    </dgm:scene3d>
+    <dgm:sp3d/>
+    <dgm:txPr/>
+    <dgm:style>
+      <a:lnRef idx="2">
+        <a:scrgbClr r="0" g="0" b="0"/>
+      </a:lnRef>
+      <a:fillRef idx="1">
+        <a:scrgbClr r="0" g="0" b="0"/>
+      </a:fillRef>
+      <a:effectRef idx="0">
+        <a:scrgbClr r="0" g="0" b="0"/>
+      </a:effectRef>
+      <a:fontRef idx="minor">
+        <a:schemeClr val="lt1"/>
+      </a:fontRef>
+    </dgm:style>
+  </dgm:styleLbl>
+  <dgm:styleLbl name="lnNode1">
+    <dgm:scene3d>
+      <a:camera prst="orthographicFront"/>
+      <a:lightRig rig="threePt" dir="t"/>
+    </dgm:scene3d>
+    <dgm:sp3d/>
+    <dgm:txPr/>
+    <dgm:style>
+      <a:lnRef idx="2">
+        <a:scrgbClr r="0" g="0" b="0"/>
+      </a:lnRef>
+      <a:fillRef idx="1">
+        <a:scrgbClr r="0" g="0" b="0"/>
+      </a:fillRef>
+      <a:effectRef idx="0">
+        <a:scrgbClr r="0" g="0" b="0"/>
+      </a:effectRef>
+      <a:fontRef idx="minor">
+        <a:schemeClr val="lt1"/>
+      </a:fontRef>
+    </dgm:style>
+  </dgm:styleLbl>
+  <dgm:styleLbl name="vennNode1">
+    <dgm:scene3d>
+      <a:camera prst="orthographicFront"/>
+      <a:lightRig rig="threePt" dir="t"/>
+    </dgm:scene3d>
+    <dgm:sp3d/>
+    <dgm:txPr/>
+    <dgm:style>
+      <a:lnRef idx="2">
+        <a:scrgbClr r="0" g="0" b="0"/>
+      </a:lnRef>
+      <a:fillRef idx="1">
+        <a:scrgbClr r="0" g="0" b="0"/>
+      </a:fillRef>
+      <a:effectRef idx="0">
+        <a:scrgbClr r="0" g="0" b="0"/>
+      </a:effectRef>
+      <a:fontRef idx="minor">
+        <a:schemeClr val="tx1"/>
+      </a:fontRef>
+    </dgm:style>
+  </dgm:styleLbl>
+  <dgm:styleLbl name="alignNode1">
+    <dgm:scene3d>
+      <a:camera prst="orthographicFront"/>
+      <a:lightRig rig="threePt" dir="t"/>
+    </dgm:scene3d>
+    <dgm:sp3d/>
+    <dgm:txPr/>
+    <dgm:style>
+      <a:lnRef idx="2">
+        <a:scrgbClr r="0" g="0" b="0"/>
+      </a:lnRef>
+      <a:fillRef idx="1">
+        <a:scrgbClr r="0" g="0" b="0"/>
+      </a:fillRef>
+      <a:effectRef idx="0">
+        <a:scrgbClr r="0" g="0" b="0"/>
+      </a:effectRef>
+      <a:fontRef idx="minor">
+        <a:schemeClr val="lt1"/>
+      </a:fontRef>
+    </dgm:style>
+  </dgm:styleLbl>
+  <dgm:styleLbl name="node1">
+    <dgm:scene3d>
+      <a:camera prst="orthographicFront"/>
+      <a:lightRig rig="threePt" dir="t"/>
+    </dgm:scene3d>
+    <dgm:sp3d/>
+    <dgm:txPr/>
+    <dgm:style>
+      <a:lnRef idx="2">
+        <a:scrgbClr r="0" g="0" b="0"/>
+      </a:lnRef>
+      <a:fillRef idx="1">
+        <a:scrgbClr r="0" g="0" b="0"/>
+      </a:fillRef>
+      <a:effectRef idx="0">
+        <a:scrgbClr r="0" g="0" b="0"/>
+      </a:effectRef>
+      <a:fontRef idx="minor">
+        <a:schemeClr val="lt1"/>
+      </a:fontRef>
+    </dgm:style>
+  </dgm:styleLbl>
+  <dgm:styleLbl name="node2">
+    <dgm:scene3d>
+      <a:camera prst="orthographicFront"/>
+      <a:lightRig rig="threePt" dir="t"/>
+    </dgm:scene3d>
+    <dgm:sp3d/>
+    <dgm:txPr/>
+    <dgm:style>
+      <a:lnRef idx="2">
+        <a:scrgbClr r="0" g="0" b="0"/>
+      </a:lnRef>
+      <a:fillRef idx="1">
+        <a:scrgbClr r="0" g="0" b="0"/>
+      </a:fillRef>
+      <a:effectRef idx="0">
+        <a:scrgbClr r="0" g="0" b="0"/>
+      </a:effectRef>
+      <a:fontRef idx="minor">
+        <a:schemeClr val="lt1"/>
+      </a:fontRef>
+    </dgm:style>
+  </dgm:styleLbl>
+  <dgm:styleLbl name="node3">
+    <dgm:scene3d>
+      <a:camera prst="orthographicFront"/>
+      <a:lightRig rig="threePt" dir="t"/>
+    </dgm:scene3d>
+    <dgm:sp3d/>
+    <dgm:txPr/>
+    <dgm:style>
+      <a:lnRef idx="2">
+        <a:scrgbClr r="0" g="0" b="0"/>
+      </a:lnRef>
+      <a:fillRef idx="1">
+        <a:scrgbClr r="0" g="0" b="0"/>
+      </a:fillRef>
+      <a:effectRef idx="0">
+        <a:scrgbClr r="0" g="0" b="0"/>
+      </a:effectRef>
+      <a:fontRef idx="minor">
+        <a:schemeClr val="lt1"/>
+      </a:fontRef>
+    </dgm:style>
+  </dgm:styleLbl>
+  <dgm:styleLbl name="node4">
+    <dgm:scene3d>
+      <a:camera prst="orthographicFront"/>
+      <a:lightRig rig="threePt" dir="t"/>
+    </dgm:scene3d>
+    <dgm:sp3d/>
+    <dgm:txPr/>
+    <dgm:style>
+      <a:lnRef idx="2">
+        <a:scrgbClr r="0" g="0" b="0"/>
+      </a:lnRef>
+      <a:fillRef idx="1">
+        <a:scrgbClr r="0" g="0" b="0"/>
+      </a:fillRef>
+      <a:effectRef idx="0">
+        <a:scrgbClr r="0" g="0" b="0"/>
+      </a:effectRef>
+      <a:fontRef idx="minor">
+        <a:schemeClr val="lt1"/>
+      </a:fontRef>
+    </dgm:style>
+  </dgm:styleLbl>
+  <dgm:styleLbl name="fgImgPlace1">
+    <dgm:scene3d>
+      <a:camera prst="orthographicFront"/>
+      <a:lightRig rig="threePt" dir="t"/>
+    </dgm:scene3d>
+    <dgm:sp3d/>
+    <dgm:txPr/>
+    <dgm:style>
+      <a:lnRef idx="2">
+        <a:scrgbClr r="0" g="0" b="0"/>
+      </a:lnRef>
+      <a:fillRef idx="1">
+        <a:scrgbClr r="0" g="0" b="0"/>
+      </a:fillRef>
+      <a:effectRef idx="0">
+        <a:scrgbClr r="0" g="0" b="0"/>
+      </a:effectRef>
+      <a:fontRef idx="minor"/>
+    </dgm:style>
+  </dgm:styleLbl>
+  <dgm:styleLbl name="alignImgPlace1">
+    <dgm:scene3d>
+      <a:camera prst="orthographicFront"/>
+      <a:lightRig rig="threePt" dir="t"/>
+    </dgm:scene3d>
+    <dgm:sp3d/>
+    <dgm:txPr/>
+    <dgm:style>
+      <a:lnRef idx="2">
+        <a:scrgbClr r="0" g="0" b="0"/>
+      </a:lnRef>
+      <a:fillRef idx="1">
+        <a:scrgbClr r="0" g="0" b="0"/>
+      </a:fillRef>
+      <a:effectRef idx="0">
+        <a:scrgbClr r="0" g="0" b="0"/>
+      </a:effectRef>
+      <a:fontRef idx="minor"/>
+    </dgm:style>
+  </dgm:styleLbl>
+  <dgm:styleLbl name="bgImgPlace1">
+    <dgm:scene3d>
+      <a:camera prst="orthographicFront"/>
+      <a:lightRig rig="threePt" dir="t"/>
+    </dgm:scene3d>
+    <dgm:sp3d/>
+    <dgm:txPr/>
+    <dgm:style>
+      <a:lnRef idx="2">
+        <a:scrgbClr r="0" g="0" b="0"/>
+      </a:lnRef>
+      <a:fillRef idx="1">
+        <a:scrgbClr r="0" g="0" b="0"/>
+      </a:fillRef>
+      <a:effectRef idx="0">
+        <a:scrgbClr r="0" g="0" b="0"/>
+      </a:effectRef>
+      <a:fontRef idx="minor"/>
+    </dgm:style>
+  </dgm:styleLbl>
+  <dgm:styleLbl name="sibTrans2D1">
+    <dgm:scene3d>
+      <a:camera prst="orthographicFront"/>
+      <a:lightRig rig="threePt" dir="t"/>
+    </dgm:scene3d>
+    <dgm:sp3d/>
+    <dgm:txPr/>
+    <dgm:style>
+      <a:lnRef idx="0">
+        <a:scrgbClr r="0" g="0" b="0"/>
+      </a:lnRef>
+      <a:fillRef idx="1">
+        <a:scrgbClr r="0" g="0" b="0"/>
+      </a:fillRef>
+      <a:effectRef idx="0">
+        <a:scrgbClr r="0" g="0" b="0"/>
+      </a:effectRef>
+      <a:fontRef idx="minor">
+        <a:schemeClr val="lt1"/>
+      </a:fontRef>
+    </dgm:style>
+  </dgm:styleLbl>
+  <dgm:styleLbl name="fgSibTrans2D1">
+    <dgm:scene3d>
+      <a:camera prst="orthographicFront"/>
+      <a:lightRig rig="threePt" dir="t"/>
+    </dgm:scene3d>
+    <dgm:sp3d/>
+    <dgm:txPr/>
+    <dgm:style>
+      <a:lnRef idx="0">
+        <a:scrgbClr r="0" g="0" b="0"/>
+      </a:lnRef>
+      <a:fillRef idx="1">
+        <a:scrgbClr r="0" g="0" b="0"/>
+      </a:fillRef>
+      <a:effectRef idx="0">
+        <a:scrgbClr r="0" g="0" b="0"/>
+      </a:effectRef>
+      <a:fontRef idx="minor">
+        <a:schemeClr val="lt1"/>
+      </a:fontRef>
+    </dgm:style>
+  </dgm:styleLbl>
+  <dgm:styleLbl name="bgSibTrans2D1">
+    <dgm:scene3d>
+      <a:camera prst="orthographicFront"/>
+      <a:lightRig rig="threePt" dir="t"/>
+    </dgm:scene3d>
+    <dgm:sp3d/>
+    <dgm:txPr/>
+    <dgm:style>
+      <a:lnRef idx="0">
+        <a:scrgbClr r="0" g="0" b="0"/>
+      </a:lnRef>
+      <a:fillRef idx="1">
+        <a:scrgbClr r="0" g="0" b="0"/>
+      </a:fillRef>
+      <a:effectRef idx="0">
+        <a:scrgbClr r="0" g="0" b="0"/>
+      </a:effectRef>
+      <a:fontRef idx="minor">
+        <a:schemeClr val="lt1"/>
+      </a:fontRef>
+    </dgm:style>
+  </dgm:styleLbl>
+  <dgm:styleLbl name="sibTrans1D1">
+    <dgm:scene3d>
+      <a:camera prst="orthographicFront"/>
+      <a:lightRig rig="threePt" dir="t"/>
+    </dgm:scene3d>
+    <dgm:sp3d/>
+    <dgm:txPr/>
+    <dgm:style>
+      <a:lnRef idx="1">
+        <a:scrgbClr r="0" g="0" b="0"/>
+      </a:lnRef>
+      <a:fillRef idx="0">
+        <a:scrgbClr r="0" g="0" b="0"/>
+      </a:fillRef>
+      <a:effectRef idx="0">
+        <a:scrgbClr r="0" g="0" b="0"/>
+      </a:effectRef>
+      <a:fontRef idx="minor"/>
+    </dgm:style>
+  </dgm:styleLbl>
+  <dgm:styleLbl name="callout">
+    <dgm:scene3d>
+      <a:camera prst="orthographicFront"/>
+      <a:lightRig rig="threePt" dir="t"/>
+    </dgm:scene3d>
+    <dgm:sp3d/>
+    <dgm:txPr/>
+    <dgm:style>
+      <a:lnRef idx="2">
+        <a:scrgbClr r="0" g="0" b="0"/>
+      </a:lnRef>
+      <a:fillRef idx="1">
+        <a:scrgbClr r="0" g="0" b="0"/>
+      </a:fillRef>
+      <a:effectRef idx="0">
+        <a:scrgbClr r="0" g="0" b="0"/>
+      </a:effectRef>
+      <a:fontRef idx="minor"/>
+    </dgm:style>
+  </dgm:styleLbl>
+  <dgm:styleLbl name="asst0">
+    <dgm:scene3d>
+      <a:camera prst="orthographicFront"/>
+      <a:lightRig rig="threePt" dir="t"/>
+    </dgm:scene3d>
+    <dgm:sp3d/>
+    <dgm:txPr/>
+    <dgm:style>
+      <a:lnRef idx="2">
+        <a:scrgbClr r="0" g="0" b="0"/>
+      </a:lnRef>
+      <a:fillRef idx="1">
+        <a:scrgbClr r="0" g="0" b="0"/>
+      </a:fillRef>
+      <a:effectRef idx="0">
+        <a:scrgbClr r="0" g="0" b="0"/>
+      </a:effectRef>
+      <a:fontRef idx="minor">
+        <a:schemeClr val="lt1"/>
+      </a:fontRef>
+    </dgm:style>
+  </dgm:styleLbl>
+  <dgm:styleLbl name="asst1">
+    <dgm:scene3d>
+      <a:camera prst="orthographicFront"/>
+      <a:lightRig rig="threePt" dir="t"/>
+    </dgm:scene3d>
+    <dgm:sp3d/>
+    <dgm:txPr/>
+    <dgm:style>
+      <a:lnRef idx="2">
+        <a:scrgbClr r="0" g="0" b="0"/>
+      </a:lnRef>
+      <a:fillRef idx="1">
+        <a:scrgbClr r="0" g="0" b="0"/>
+      </a:fillRef>
+      <a:effectRef idx="0">
+        <a:scrgbClr r="0" g="0" b="0"/>
+      </a:effectRef>
+      <a:fontRef idx="minor">
+        <a:schemeClr val="lt1"/>
+      </a:fontRef>
+    </dgm:style>
+  </dgm:styleLbl>
+  <dgm:styleLbl name="asst2">
+    <dgm:scene3d>
+      <a:camera prst="orthographicFront"/>
+      <a:lightRig rig="threePt" dir="t"/>
+    </dgm:scene3d>
+    <dgm:sp3d/>
+    <dgm:txPr/>
+    <dgm:style>
+      <a:lnRef idx="2">
+        <a:scrgbClr r="0" g="0" b="0"/>
+      </a:lnRef>
+      <a:fillRef idx="1">
+        <a:scrgbClr r="0" g="0" b="0"/>
+      </a:fillRef>
+      <a:effectRef idx="0">
+        <a:scrgbClr r="0" g="0" b="0"/>
+      </a:effectRef>
+      <a:fontRef idx="minor">
+        <a:schemeClr val="lt1"/>
+      </a:fontRef>
+    </dgm:style>
+  </dgm:styleLbl>
+  <dgm:styleLbl name="asst3">
+    <dgm:scene3d>
+      <a:camera prst="orthographicFront"/>
+      <a:lightRig rig="threePt" dir="t"/>
+    </dgm:scene3d>
+    <dgm:sp3d/>
+    <dgm:txPr/>
+    <dgm:style>
+      <a:lnRef idx="2">
+        <a:scrgbClr r="0" g="0" b="0"/>
+      </a:lnRef>
+      <a:fillRef idx="1">
+        <a:scrgbClr r="0" g="0" b="0"/>
+      </a:fillRef>
+      <a:effectRef idx="0">
+        <a:scrgbClr r="0" g="0" b="0"/>
+      </a:effectRef>
+      <a:fontRef idx="minor">
+        <a:schemeClr val="lt1"/>
+      </a:fontRef>
+    </dgm:style>
+  </dgm:styleLbl>
+  <dgm:styleLbl name="asst4">
+    <dgm:scene3d>
+      <a:camera prst="orthographicFront"/>
+      <a:lightRig rig="threePt" dir="t"/>
+    </dgm:scene3d>
+    <dgm:sp3d/>
+    <dgm:txPr/>
+    <dgm:style>
+      <a:lnRef idx="2">
+        <a:scrgbClr r="0" g="0" b="0"/>
+      </a:lnRef>
+      <a:fillRef idx="1">
+        <a:scrgbClr r="0" g="0" b="0"/>
+      </a:fillRef>
+      <a:effectRef idx="0">
+        <a:scrgbClr r="0" g="0" b="0"/>
+      </a:effectRef>
+      <a:fontRef idx="minor">
+        <a:schemeClr val="lt1"/>
+      </a:fontRef>
+    </dgm:style>
+  </dgm:styleLbl>
+  <dgm:styleLbl name="parChTrans2D1">
+    <dgm:scene3d>
+      <a:camera prst="orthographicFront"/>
+      <a:lightRig rig="threePt" dir="t"/>
+    </dgm:scene3d>
+    <dgm:sp3d/>
+    <dgm:txPr/>
+    <dgm:style>
+      <a:lnRef idx="2">
+        <a:scrgbClr r="0" g="0" b="0"/>
+      </a:lnRef>
+      <a:fillRef idx="1">
+        <a:scrgbClr r="0" g="0" b="0"/>
+      </a:fillRef>
+      <a:effectRef idx="0">
+        <a:scrgbClr r="0" g="0" b="0"/>
+      </a:effectRef>
+      <a:fontRef idx="minor">
+        <a:schemeClr val="lt1"/>
+      </a:fontRef>
+    </dgm:style>
+  </dgm:styleLbl>
+  <dgm:styleLbl name="parChTrans2D2">
+    <dgm:scene3d>
+      <a:camera prst="orthographicFront"/>
+      <a:lightRig rig="threePt" dir="t"/>
+    </dgm:scene3d>
+    <dgm:sp3d/>
+    <dgm:txPr/>
+    <dgm:style>
+      <a:lnRef idx="2">
+        <a:scrgbClr r="0" g="0" b="0"/>
+      </a:lnRef>
+      <a:fillRef idx="1">
+        <a:scrgbClr r="0" g="0" b="0"/>
+      </a:fillRef>
+      <a:effectRef idx="0">
+        <a:scrgbClr r="0" g="0" b="0"/>
+      </a:effectRef>
+      <a:fontRef idx="minor">
+        <a:schemeClr val="lt1"/>
+      </a:fontRef>
+    </dgm:style>
+  </dgm:styleLbl>
+  <dgm:styleLbl name="parChTrans2D3">
+    <dgm:scene3d>
+      <a:camera prst="orthographicFront"/>
+      <a:lightRig rig="threePt" dir="t"/>
+    </dgm:scene3d>
+    <dgm:sp3d/>
+    <dgm:txPr/>
+    <dgm:style>
+      <a:lnRef idx="2">
+        <a:scrgbClr r="0" g="0" b="0"/>
+      </a:lnRef>
+      <a:fillRef idx="1">
+        <a:scrgbClr r="0" g="0" b="0"/>
+      </a:fillRef>
+      <a:effectRef idx="0">
+        <a:scrgbClr r="0" g="0" b="0"/>
+      </a:effectRef>
+      <a:fontRef idx="minor">
+        <a:schemeClr val="lt1"/>
+      </a:fontRef>
+    </dgm:style>
+  </dgm:styleLbl>
+  <dgm:styleLbl name="parChTrans2D4">
+    <dgm:scene3d>
+      <a:camera prst="orthographicFront"/>
+      <a:lightRig rig="threePt" dir="t"/>
+    </dgm:scene3d>
+    <dgm:sp3d/>
+    <dgm:txPr/>
+    <dgm:style>
+      <a:lnRef idx="2">
+        <a:scrgbClr r="0" g="0" b="0"/>
+      </a:lnRef>
+      <a:fillRef idx="1">
+        <a:scrgbClr r="0" g="0" b="0"/>
+      </a:fillRef>
+      <a:effectRef idx="0">
+        <a:scrgbClr r="0" g="0" b="0"/>
+      </a:effectRef>
+      <a:fontRef idx="minor">
+        <a:schemeClr val="lt1"/>
+      </a:fontRef>
+    </dgm:style>
+  </dgm:styleLbl>
+  <dgm:styleLbl name="parChTrans1D1">
+    <dgm:scene3d>
+      <a:camera prst="orthographicFront"/>
+      <a:lightRig rig="threePt" dir="t"/>
+    </dgm:scene3d>
+    <dgm:sp3d/>
+    <dgm:txPr/>
+    <dgm:style>
+      <a:lnRef idx="2">
+        <a:scrgbClr r="0" g="0" b="0"/>
+      </a:lnRef>
+      <a:fillRef idx="0">
+        <a:scrgbClr r="0" g="0" b="0"/>
+      </a:fillRef>
+      <a:effectRef idx="0">
+        <a:scrgbClr r="0" g="0" b="0"/>
+      </a:effectRef>
+      <a:fontRef idx="minor"/>
+    </dgm:style>
+  </dgm:styleLbl>
+  <dgm:styleLbl name="parChTrans1D2">
+    <dgm:scene3d>
+      <a:camera prst="orthographicFront"/>
+      <a:lightRig rig="threePt" dir="t"/>
+    </dgm:scene3d>
+    <dgm:sp3d/>
+    <dgm:txPr/>
+    <dgm:style>
+      <a:lnRef idx="2">
+        <a:scrgbClr r="0" g="0" b="0"/>
+      </a:lnRef>
+      <a:fillRef idx="0">
+        <a:scrgbClr r="0" g="0" b="0"/>
+      </a:fillRef>
+      <a:effectRef idx="0">
+        <a:scrgbClr r="0" g="0" b="0"/>
+      </a:effectRef>
+      <a:fontRef idx="minor"/>
+    </dgm:style>
+  </dgm:styleLbl>
+  <dgm:styleLbl name="parChTrans1D3">
+    <dgm:scene3d>
+      <a:camera prst="orthographicFront"/>
+      <a:lightRig rig="threePt" dir="t"/>
+    </dgm:scene3d>
+    <dgm:sp3d/>
+    <dgm:txPr/>
+    <dgm:style>
+      <a:lnRef idx="2">
+        <a:scrgbClr r="0" g="0" b="0"/>
+      </a:lnRef>
+      <a:fillRef idx="0">
+        <a:scrgbClr r="0" g="0" b="0"/>
+      </a:fillRef>
+      <a:effectRef idx="0">
+        <a:scrgbClr r="0" g="0" b="0"/>
+      </a:effectRef>
+      <a:fontRef idx="minor"/>
+    </dgm:style>
+  </dgm:styleLbl>
+  <dgm:styleLbl name="parChTrans1D4">
+    <dgm:scene3d>
+      <a:camera prst="orthographicFront"/>
+      <a:lightRig rig="threePt" dir="t"/>
+    </dgm:scene3d>
+    <dgm:sp3d/>
+    <dgm:txPr/>
+    <dgm:style>
+      <a:lnRef idx="2">
+        <a:scrgbClr r="0" g="0" b="0"/>
+      </a:lnRef>
+      <a:fillRef idx="0">
+        <a:scrgbClr r="0" g="0" b="0"/>
+      </a:fillRef>
+      <a:effectRef idx="0">
+        <a:scrgbClr r="0" g="0" b="0"/>
+      </a:effectRef>
+      <a:fontRef idx="minor"/>
+    </dgm:style>
+  </dgm:styleLbl>
+  <dgm:styleLbl name="fgAcc1">
+    <dgm:scene3d>
+      <a:camera prst="orthographicFront"/>
+      <a:lightRig rig="threePt" dir="t"/>
+    </dgm:scene3d>
+    <dgm:sp3d/>
+    <dgm:txPr/>
+    <dgm:style>
+      <a:lnRef idx="2">
+        <a:scrgbClr r="0" g="0" b="0"/>
+      </a:lnRef>
+      <a:fillRef idx="1">
+        <a:scrgbClr r="0" g="0" b="0"/>
+      </a:fillRef>
+      <a:effectRef idx="0">
+        <a:scrgbClr r="0" g="0" b="0"/>
+      </a:effectRef>
+      <a:fontRef idx="minor"/>
+    </dgm:style>
+  </dgm:styleLbl>
+  <dgm:styleLbl name="conFgAcc1">
+    <dgm:scene3d>
+      <a:camera prst="orthographicFront"/>
+      <a:lightRig rig="threePt" dir="t"/>
+    </dgm:scene3d>
+    <dgm:sp3d/>
+    <dgm:txPr/>
+    <dgm:style>
+      <a:lnRef idx="2">
+        <a:scrgbClr r="0" g="0" b="0"/>
+      </a:lnRef>
+      <a:fillRef idx="1">
+        <a:scrgbClr r="0" g="0" b="0"/>
+      </a:fillRef>
+      <a:effectRef idx="0">
+        <a:scrgbClr r="0" g="0" b="0"/>
+      </a:effectRef>
+      <a:fontRef idx="minor"/>
+    </dgm:style>
+  </dgm:styleLbl>
+  <dgm:styleLbl name="alignAcc1">
+    <dgm:scene3d>
+      <a:camera prst="orthographicFront"/>
+      <a:lightRig rig="threePt" dir="t"/>
+    </dgm:scene3d>
+    <dgm:sp3d/>
+    <dgm:txPr/>
+    <dgm:style>
+      <a:lnRef idx="2">
+        <a:scrgbClr r="0" g="0" b="0"/>
+      </a:lnRef>
+      <a:fillRef idx="1">
+        <a:scrgbClr r="0" g="0" b="0"/>
+      </a:fillRef>
+      <a:effectRef idx="0">
+        <a:scrgbClr r="0" g="0" b="0"/>
+      </a:effectRef>
+      <a:fontRef idx="minor"/>
+    </dgm:style>
+  </dgm:styleLbl>
+  <dgm:styleLbl name="trAlignAcc1">
+    <dgm:scene3d>
+      <a:camera prst="orthographicFront"/>
+      <a:lightRig rig="threePt" dir="t"/>
+    </dgm:scene3d>
+    <dgm:sp3d/>
+    <dgm:txPr/>
+    <dgm:style>
+      <a:lnRef idx="1">
+        <a:scrgbClr r="0" g="0" b="0"/>
+      </a:lnRef>
+      <a:fillRef idx="1">
+        <a:scrgbClr r="0" g="0" b="0"/>
+      </a:fillRef>
+      <a:effectRef idx="0">
+        <a:scrgbClr r="0" g="0" b="0"/>
+      </a:effectRef>
+      <a:fontRef idx="minor"/>
+    </dgm:style>
+  </dgm:styleLbl>
+  <dgm:styleLbl name="bgAcc1">
+    <dgm:scene3d>
+      <a:camera prst="orthographicFront"/>
+      <a:lightRig rig="threePt" dir="t"/>
+    </dgm:scene3d>
+    <dgm:sp3d/>
+    <dgm:txPr/>
+    <dgm:style>
+      <a:lnRef idx="2">
+        <a:scrgbClr r="0" g="0" b="0"/>
+      </a:lnRef>
+      <a:fillRef idx="1">
+        <a:scrgbClr r="0" g="0" b="0"/>
+      </a:fillRef>
+      <a:effectRef idx="0">
+        <a:scrgbClr r="0" g="0" b="0"/>
+      </a:effectRef>
+      <a:fontRef idx="minor"/>
+    </dgm:style>
+  </dgm:styleLbl>
+  <dgm:styleLbl name="solidFgAcc1">
+    <dgm:scene3d>
+      <a:camera prst="orthographicFront"/>
+      <a:lightRig rig="threePt" dir="t"/>
+    </dgm:scene3d>
+    <dgm:sp3d/>
+    <dgm:txPr/>
+    <dgm:style>
+      <a:lnRef idx="2">
+        <a:scrgbClr r="0" g="0" b="0"/>
+      </a:lnRef>
+      <a:fillRef idx="1">
+        <a:scrgbClr r="0" g="0" b="0"/>
+      </a:fillRef>
+      <a:effectRef idx="0">
+        <a:scrgbClr r="0" g="0" b="0"/>
+      </a:effectRef>
+      <a:fontRef idx="minor"/>
+    </dgm:style>
+  </dgm:styleLbl>
+  <dgm:styleLbl name="solidAlignAcc1">
+    <dgm:scene3d>
+      <a:camera prst="orthographicFront"/>
+      <a:lightRig rig="threePt" dir="t"/>
+    </dgm:scene3d>
+    <dgm:sp3d/>
+    <dgm:txPr/>
+    <dgm:style>
+      <a:lnRef idx="2">
+        <a:scrgbClr r="0" g="0" b="0"/>
+      </a:lnRef>
+      <a:fillRef idx="1">
+        <a:scrgbClr r="0" g="0" b="0"/>
+      </a:fillRef>
+      <a:effectRef idx="0">
+        <a:scrgbClr r="0" g="0" b="0"/>
+      </a:effectRef>
+      <a:fontRef idx="minor"/>
+    </dgm:style>
+  </dgm:styleLbl>
+  <dgm:styleLbl name="solidBgAcc1">
+    <dgm:scene3d>
+      <a:camera prst="orthographicFront"/>
+      <a:lightRig rig="threePt" dir="t"/>
+    </dgm:scene3d>
+    <dgm:sp3d/>
+    <dgm:txPr/>
+    <dgm:style>
+      <a:lnRef idx="2">
+        <a:scrgbClr r="0" g="0" b="0"/>
+      </a:lnRef>
+      <a:fillRef idx="1">
+        <a:scrgbClr r="0" g="0" b="0"/>
+      </a:fillRef>
+      <a:effectRef idx="0">
+        <a:scrgbClr r="0" g="0" b="0"/>
+      </a:effectRef>
+      <a:fontRef idx="minor"/>
+    </dgm:style>
+  </dgm:styleLbl>
+  <dgm:styleLbl name="fgAccFollowNode1">
+    <dgm:scene3d>
+      <a:camera prst="orthographicFront"/>
+      <a:lightRig rig="threePt" dir="t"/>
+    </dgm:scene3d>
+    <dgm:sp3d/>
+    <dgm:txPr/>
+    <dgm:style>
+      <a:lnRef idx="2">
+        <a:scrgbClr r="0" g="0" b="0"/>
+      </a:lnRef>
+      <a:fillRef idx="1">
+        <a:scrgbClr r="0" g="0" b="0"/>
+      </a:fillRef>
+      <a:effectRef idx="0">
+        <a:scrgbClr r="0" g="0" b="0"/>
+      </a:effectRef>
+      <a:fontRef idx="minor"/>
+    </dgm:style>
+  </dgm:styleLbl>
+  <dgm:styleLbl name="alignAccFollowNode1">
+    <dgm:scene3d>
+      <a:camera prst="orthographicFront"/>
+      <a:lightRig rig="threePt" dir="t"/>
+    </dgm:scene3d>
+    <dgm:sp3d/>
+    <dgm:txPr/>
+    <dgm:style>
+      <a:lnRef idx="2">
+        <a:scrgbClr r="0" g="0" b="0"/>
+      </a:lnRef>
+      <a:fillRef idx="1">
+        <a:scrgbClr r="0" g="0" b="0"/>
+      </a:fillRef>
+      <a:effectRef idx="0">
+        <a:scrgbClr r="0" g="0" b="0"/>
+      </a:effectRef>
+      <a:fontRef idx="minor"/>
+    </dgm:style>
+  </dgm:styleLbl>
+  <dgm:styleLbl name="bgAccFollowNode1">
+    <dgm:scene3d>
+      <a:camera prst="orthographicFront"/>
+      <a:lightRig rig="threePt" dir="t"/>
+    </dgm:scene3d>
+    <dgm:sp3d/>
+    <dgm:txPr/>
+    <dgm:style>
+      <a:lnRef idx="2">
+        <a:scrgbClr r="0" g="0" b="0"/>
+      </a:lnRef>
+      <a:fillRef idx="1">
+        <a:scrgbClr r="0" g="0" b="0"/>
+      </a:fillRef>
+      <a:effectRef idx="0">
+        <a:scrgbClr r="0" g="0" b="0"/>
+      </a:effectRef>
+      <a:fontRef idx="minor"/>
+    </dgm:style>
+  </dgm:styleLbl>
+  <dgm:styleLbl name="fgAcc0">
+    <dgm:scene3d>
+      <a:camera prst="orthographicFront"/>
+      <a:lightRig rig="threePt" dir="t"/>
+    </dgm:scene3d>
+    <dgm:sp3d/>
+    <dgm:txPr/>
+    <dgm:style>
+      <a:lnRef idx="2">
+        <a:scrgbClr r="0" g="0" b="0"/>
+      </a:lnRef>
+      <a:fillRef idx="1">
+        <a:scrgbClr r="0" g="0" b="0"/>
+      </a:fillRef>
+      <a:effectRef idx="0">
+        <a:scrgbClr r="0" g="0" b="0"/>
+      </a:effectRef>
+      <a:fontRef idx="minor"/>
+    </dgm:style>
+  </dgm:styleLbl>
+  <dgm:styleLbl name="fgAcc2">
+    <dgm:scene3d>
+      <a:camera prst="orthographicFront"/>
+      <a:lightRig rig="threePt" dir="t"/>
+    </dgm:scene3d>
+    <dgm:sp3d/>
+    <dgm:txPr/>
+    <dgm:style>
+      <a:lnRef idx="2">
+        <a:scrgbClr r="0" g="0" b="0"/>
+      </a:lnRef>
+      <a:fillRef idx="1">
+        <a:scrgbClr r="0" g="0" b="0"/>
+      </a:fillRef>
+      <a:effectRef idx="0">
+        <a:scrgbClr r="0" g="0" b="0"/>
+      </a:effectRef>
+      <a:fontRef idx="minor"/>
+    </dgm:style>
+  </dgm:styleLbl>
+  <dgm:styleLbl name="fgAcc3">
+    <dgm:scene3d>
+      <a:camera prst="orthographicFront"/>
+      <a:lightRig rig="threePt" dir="t"/>
+    </dgm:scene3d>
+    <dgm:sp3d/>
+    <dgm:txPr/>
+    <dgm:style>
+      <a:lnRef idx="2">
+        <a:scrgbClr r="0" g="0" b="0"/>
+      </a:lnRef>
+      <a:fillRef idx="1">
+        <a:scrgbClr r="0" g="0" b="0"/>
+      </a:fillRef>
+      <a:effectRef idx="0">
+        <a:scrgbClr r="0" g="0" b="0"/>
+      </a:effectRef>
+      <a:fontRef idx="minor"/>
+    </dgm:style>
+  </dgm:styleLbl>
+  <dgm:styleLbl name="fgAcc4">
+    <dgm:scene3d>
+      <a:camera prst="orthographicFront"/>
+      <a:lightRig rig="threePt" dir="t"/>
+    </dgm:scene3d>
+    <dgm:sp3d/>
+    <dgm:txPr/>
+    <dgm:style>
+      <a:lnRef idx="2">
+        <a:scrgbClr r="0" g="0" b="0"/>
+      </a:lnRef>
+      <a:fillRef idx="1">
+        <a:scrgbClr r="0" g="0" b="0"/>
+      </a:fillRef>
+      <a:effectRef idx="0">
+        <a:scrgbClr r="0" g="0" b="0"/>
+      </a:effectRef>
+      <a:fontRef idx="minor"/>
+    </dgm:style>
+  </dgm:styleLbl>
+  <dgm:styleLbl name="bgShp">
+    <dgm:scene3d>
+      <a:camera prst="orthographicFront"/>
+      <a:lightRig rig="threePt" dir="t"/>
+    </dgm:scene3d>
+    <dgm:sp3d/>
+    <dgm:txPr/>
+    <dgm:style>
+      <a:lnRef idx="0">
+        <a:scrgbClr r="0" g="0" b="0"/>
+      </a:lnRef>
+      <a:fillRef idx="1">
+        <a:scrgbClr r="0" g="0" b="0"/>
+      </a:fillRef>
+      <a:effectRef idx="0">
+        <a:scrgbClr r="0" g="0" b="0"/>
+      </a:effectRef>
+      <a:fontRef idx="minor"/>
+    </dgm:style>
+  </dgm:styleLbl>
+  <dgm:styleLbl name="dkBgShp">
+    <dgm:scene3d>
+      <a:camera prst="orthographicFront"/>
+      <a:lightRig rig="threePt" dir="t"/>
+    </dgm:scene3d>
+    <dgm:sp3d/>
+    <dgm:txPr/>
+    <dgm:style>
+      <a:lnRef idx="0">
+        <a:scrgbClr r="0" g="0" b="0"/>
+      </a:lnRef>
+      <a:fillRef idx="1">
+        <a:scrgbClr r="0" g="0" b="0"/>
+      </a:fillRef>
+      <a:effectRef idx="0">
+        <a:scrgbClr r="0" g="0" b="0"/>
+      </a:effectRef>
+      <a:fontRef idx="minor"/>
+    </dgm:style>
+  </dgm:styleLbl>
+  <dgm:styleLbl name="trBgShp">
+    <dgm:scene3d>
+      <a:camera prst="orthographicFront"/>
+      <a:lightRig rig="threePt" dir="t"/>
+    </dgm:scene3d>
+    <dgm:sp3d/>
+    <dgm:txPr/>
+    <dgm:style>
+      <a:lnRef idx="0">
+        <a:scrgbClr r="0" g="0" b="0"/>
+      </a:lnRef>
+      <a:fillRef idx="1">
+        <a:scrgbClr r="0" g="0" b="0"/>
+      </a:fillRef>
+      <a:effectRef idx="0">
+        <a:scrgbClr r="0" g="0" b="0"/>
+      </a:effectRef>
+      <a:fontRef idx="minor"/>
+    </dgm:style>
+  </dgm:styleLbl>
+  <dgm:styleLbl name="fgShp">
+    <dgm:scene3d>
+      <a:camera prst="orthographicFront"/>
+      <a:lightRig rig="threePt" dir="t"/>
+    </dgm:scene3d>
+    <dgm:sp3d/>
+    <dgm:txPr/>
+    <dgm:style>
+      <a:lnRef idx="2">
+        <a:scrgbClr r="0" g="0" b="0"/>
+      </a:lnRef>
+      <a:fillRef idx="1">
+        <a:scrgbClr r="0" g="0" b="0"/>
+      </a:fillRef>
+      <a:effectRef idx="0">
+        <a:scrgbClr r="0" g="0" b="0"/>
+      </a:effectRef>
+      <a:fontRef idx="minor"/>
+    </dgm:style>
+  </dgm:styleLbl>
+  <dgm:styleLbl name="revTx">
+    <dgm:scene3d>
+      <a:camera prst="orthographicFront"/>
+      <a:lightRig rig="threePt" dir="t"/>
+    </dgm:scene3d>
+    <dgm:sp3d/>
+    <dgm:txPr/>
+    <dgm:style>
+      <a:lnRef idx="0">
+        <a:scrgbClr r="0" g="0" b="0"/>
+      </a:lnRef>
+      <a:fillRef idx="0">
+        <a:scrgbClr r="0" g="0" b="0"/>
+      </a:fillRef>
+      <a:effectRef idx="0">
+        <a:scrgbClr r="0" g="0" b="0"/>
+      </a:effectRef>
+      <a:fontRef idx="minor"/>
+    </dgm:style>
+  </dgm:styleLbl>
+</dgm:styleDef>
+</file>
+
 <file path=ppt/slideLayouts/slideLayout1.xml><?xml version="1.0" encoding="utf-8"?>
 <p:sldLayout xmlns:a="http://schemas.openxmlformats.org/drawingml/2006/main" xmlns:r="http://schemas.openxmlformats.org/officeDocument/2006/relationships" xmlns:p="http://schemas.openxmlformats.org/presentationml/2006/main" type="title" preserve="1">
   <p:cSld name="Title Slide">
@@ -294,7 +2699,7 @@
             <a:fld id="{7EAF463A-BC7C-46EE-9F1E-7F377CCA4891}" type="datetimeFigureOut">
               <a:rPr lang="en-US" smtClean="0"/>
               <a:pPr/>
-              <a:t>4/9/2019</a:t>
+              <a:t>4/25/2019</a:t>
             </a:fld>
             <a:endParaRPr lang="en-US"/>
           </a:p>
@@ -461,7 +2866,7 @@
             <a:fld id="{7EAF463A-BC7C-46EE-9F1E-7F377CCA4891}" type="datetimeFigureOut">
               <a:rPr lang="en-US" smtClean="0"/>
               <a:pPr/>
-              <a:t>4/9/2019</a:t>
+              <a:t>4/25/2019</a:t>
             </a:fld>
             <a:endParaRPr lang="en-US"/>
           </a:p>
@@ -638,7 +3043,7 @@
             <a:fld id="{7EAF463A-BC7C-46EE-9F1E-7F377CCA4891}" type="datetimeFigureOut">
               <a:rPr lang="en-US" smtClean="0"/>
               <a:pPr/>
-              <a:t>4/9/2019</a:t>
+              <a:t>4/25/2019</a:t>
             </a:fld>
             <a:endParaRPr lang="en-US"/>
           </a:p>
@@ -805,7 +3210,7 @@
             <a:fld id="{7EAF463A-BC7C-46EE-9F1E-7F377CCA4891}" type="datetimeFigureOut">
               <a:rPr lang="en-US" smtClean="0"/>
               <a:pPr/>
-              <a:t>4/9/2019</a:t>
+              <a:t>4/25/2019</a:t>
             </a:fld>
             <a:endParaRPr lang="en-US"/>
           </a:p>
@@ -1048,7 +3453,7 @@
             <a:fld id="{7EAF463A-BC7C-46EE-9F1E-7F377CCA4891}" type="datetimeFigureOut">
               <a:rPr lang="en-US" smtClean="0"/>
               <a:pPr/>
-              <a:t>4/9/2019</a:t>
+              <a:t>4/25/2019</a:t>
             </a:fld>
             <a:endParaRPr lang="en-US"/>
           </a:p>
@@ -1333,7 +3738,7 @@
             <a:fld id="{7EAF463A-BC7C-46EE-9F1E-7F377CCA4891}" type="datetimeFigureOut">
               <a:rPr lang="en-US" smtClean="0"/>
               <a:pPr/>
-              <a:t>4/9/2019</a:t>
+              <a:t>4/25/2019</a:t>
             </a:fld>
             <a:endParaRPr lang="en-US"/>
           </a:p>
@@ -1752,7 +4157,7 @@
             <a:fld id="{7EAF463A-BC7C-46EE-9F1E-7F377CCA4891}" type="datetimeFigureOut">
               <a:rPr lang="en-US" smtClean="0"/>
               <a:pPr/>
-              <a:t>4/9/2019</a:t>
+              <a:t>4/25/2019</a:t>
             </a:fld>
             <a:endParaRPr lang="en-US"/>
           </a:p>
@@ -1867,7 +4272,7 @@
             <a:fld id="{7EAF463A-BC7C-46EE-9F1E-7F377CCA4891}" type="datetimeFigureOut">
               <a:rPr lang="en-US" smtClean="0"/>
               <a:pPr/>
-              <a:t>4/9/2019</a:t>
+              <a:t>4/25/2019</a:t>
             </a:fld>
             <a:endParaRPr lang="en-US"/>
           </a:p>
@@ -1959,7 +4364,7 @@
             <a:fld id="{7EAF463A-BC7C-46EE-9F1E-7F377CCA4891}" type="datetimeFigureOut">
               <a:rPr lang="en-US" smtClean="0"/>
               <a:pPr/>
-              <a:t>4/9/2019</a:t>
+              <a:t>4/25/2019</a:t>
             </a:fld>
             <a:endParaRPr lang="en-US"/>
           </a:p>
@@ -2233,7 +4638,7 @@
             <a:fld id="{7EAF463A-BC7C-46EE-9F1E-7F377CCA4891}" type="datetimeFigureOut">
               <a:rPr lang="en-US" smtClean="0"/>
               <a:pPr/>
-              <a:t>4/9/2019</a:t>
+              <a:t>4/25/2019</a:t>
             </a:fld>
             <a:endParaRPr lang="en-US"/>
           </a:p>
@@ -2483,7 +4888,7 @@
             <a:fld id="{7EAF463A-BC7C-46EE-9F1E-7F377CCA4891}" type="datetimeFigureOut">
               <a:rPr lang="en-US" smtClean="0"/>
               <a:pPr/>
-              <a:t>4/9/2019</a:t>
+              <a:t>4/25/2019</a:t>
             </a:fld>
             <a:endParaRPr lang="en-US"/>
           </a:p>
@@ -2693,7 +5098,7 @@
             <a:fld id="{7EAF463A-BC7C-46EE-9F1E-7F377CCA4891}" type="datetimeFigureOut">
               <a:rPr lang="en-US" smtClean="0"/>
               <a:pPr/>
-              <a:t>4/9/2019</a:t>
+              <a:t>4/25/2019</a:t>
             </a:fld>
             <a:endParaRPr lang="en-US"/>
           </a:p>
@@ -3115,11 +5520,7 @@
             </a:br>
             <a:r>
               <a:rPr lang="ru-RU" sz="3200" b="1" dirty="0" smtClean="0"/>
-              <a:t>МОДИФИКАЦИЯ</a:t>
-            </a:r>
-            <a:r>
-              <a:rPr lang="ru-RU" sz="3200" b="1" dirty="0" smtClean="0"/>
-              <a:t> КОНСТРУКТОРА ЗАПРОСОВ </a:t>
+              <a:t>МОДИФИКАЦИЯ КОНСТРУКТОРА ЗАПРОСОВ </a:t>
             </a:r>
             <a:r>
               <a:rPr lang="en-US" sz="3200" b="1" dirty="0" smtClean="0"/>
@@ -3784,13 +6185,7 @@
               <a:rPr lang="ru-RU" sz="2000" dirty="0" smtClean="0">
                 <a:latin typeface="+mj-lt"/>
               </a:rPr>
-              <a:t>Ростов </a:t>
-            </a:r>
-            <a:r>
-              <a:rPr lang="ru-RU" sz="2000" dirty="0" smtClean="0">
-                <a:latin typeface="+mj-lt"/>
-              </a:rPr>
-              <a:t>2019</a:t>
+              <a:t>Ростов 2019</a:t>
             </a:r>
             <a:endParaRPr lang="ru-RU" sz="2000" dirty="0">
               <a:latin typeface="+mj-lt"/>
@@ -3875,7 +6270,6 @@
               <a:rPr lang="ru-RU" sz="2400" dirty="0" smtClean="0"/>
               <a:t>ВВЕДЕНИЕ</a:t>
             </a:r>
-            <a:endParaRPr lang="ru-RU" sz="2400" dirty="0" smtClean="0"/>
           </a:p>
           <a:p>
             <a:pPr>
@@ -3904,11 +6298,7 @@
             </a:pPr>
             <a:r>
               <a:rPr lang="ru-RU" sz="2400" dirty="0" smtClean="0"/>
-              <a:t>1.1. Анализ </a:t>
-            </a:r>
-            <a:r>
-              <a:rPr lang="ru-RU" sz="2400" dirty="0" smtClean="0"/>
-              <a:t>спецификаций конструктора запросов </a:t>
+              <a:t>1.1. Анализ спецификаций конструктора запросов </a:t>
             </a:r>
             <a:r>
               <a:rPr lang="en-US" sz="2400" dirty="0" smtClean="0"/>
@@ -3922,11 +6312,7 @@
             </a:pPr>
             <a:r>
               <a:rPr lang="ru-RU" sz="2400" dirty="0" smtClean="0"/>
-              <a:t>1.2. Стратегия </a:t>
-            </a:r>
-            <a:r>
-              <a:rPr lang="ru-RU" sz="2400" dirty="0" smtClean="0"/>
-              <a:t>сопровождения конструктора запросов </a:t>
+              <a:t>1.2. Стратегия сопровождения конструктора запросов </a:t>
             </a:r>
             <a:r>
               <a:rPr lang="en-US" sz="2400" dirty="0" smtClean="0"/>
@@ -3936,7 +6322,6 @@
               <a:rPr lang="ru-RU" sz="2400" dirty="0" smtClean="0"/>
               <a:t>.</a:t>
             </a:r>
-            <a:endParaRPr lang="ru-RU" sz="2400" dirty="0" smtClean="0"/>
           </a:p>
           <a:p>
             <a:pPr>
@@ -3952,15 +6337,7 @@
             </a:r>
             <a:r>
               <a:rPr lang="ru-RU" sz="2400" cap="all" dirty="0" smtClean="0"/>
-              <a:t>Оценка </a:t>
-            </a:r>
-            <a:r>
-              <a:rPr lang="ru-RU" sz="2400" cap="all" dirty="0" smtClean="0"/>
-              <a:t>качества программного </a:t>
-            </a:r>
-            <a:r>
-              <a:rPr lang="ru-RU" sz="2400" cap="all" dirty="0" smtClean="0"/>
-              <a:t>продукта</a:t>
+              <a:t>Оценка качества программного продукта</a:t>
             </a:r>
             <a:endParaRPr lang="ru-RU" sz="2400" dirty="0" smtClean="0"/>
           </a:p>
@@ -3970,35 +6347,17 @@
             </a:pPr>
             <a:r>
               <a:rPr lang="ru-RU" sz="2400" dirty="0" smtClean="0"/>
-              <a:t>2.1. Мероприятия </a:t>
-            </a:r>
+              <a:t>2.1. Мероприятия по модификации программного продукта.</a:t>
+            </a:r>
+          </a:p>
+          <a:p>
+            <a:pPr>
+              <a:buNone/>
+            </a:pPr>
             <a:r>
               <a:rPr lang="ru-RU" sz="2400" dirty="0" smtClean="0"/>
-              <a:t>по модификации программного продукта</a:t>
-            </a:r>
-            <a:r>
-              <a:rPr lang="ru-RU" sz="2400" dirty="0" smtClean="0"/>
-              <a:t>.</a:t>
-            </a:r>
-            <a:endParaRPr lang="ru-RU" sz="2400" dirty="0" smtClean="0"/>
-          </a:p>
-          <a:p>
-            <a:pPr>
-              <a:buNone/>
-            </a:pPr>
-            <a:r>
-              <a:rPr lang="ru-RU" sz="2400" dirty="0" smtClean="0"/>
-              <a:t>2.2. Анализ </a:t>
-            </a:r>
-            <a:r>
-              <a:rPr lang="ru-RU" sz="2400" dirty="0" smtClean="0"/>
-              <a:t>результатов сопровождения </a:t>
-            </a:r>
-            <a:r>
-              <a:rPr lang="ru-RU" sz="2400" dirty="0" smtClean="0"/>
-              <a:t>ПП</a:t>
-            </a:r>
-            <a:endParaRPr lang="ru-RU" sz="2400" dirty="0" smtClean="0"/>
+              <a:t>2.2. Анализ результатов сопровождения ПП</a:t>
+            </a:r>
           </a:p>
           <a:p>
             <a:pPr>
@@ -4008,7 +6367,6 @@
               <a:rPr lang="ru-RU" sz="2400" dirty="0" smtClean="0"/>
               <a:t>ЗАКЛЮЧЕНИЕ</a:t>
             </a:r>
-            <a:endParaRPr lang="ru-RU" sz="2400" dirty="0" smtClean="0"/>
           </a:p>
           <a:p>
             <a:pPr>
@@ -4016,13 +6374,8 @@
             </a:pPr>
             <a:r>
               <a:rPr lang="ru-RU" sz="2400" dirty="0" smtClean="0"/>
-              <a:t>ИНФОРМАЦИОННЫЕ </a:t>
-            </a:r>
-            <a:r>
-              <a:rPr lang="ru-RU" sz="2400" dirty="0" smtClean="0"/>
-              <a:t>РЕСУРСЫ</a:t>
-            </a:r>
-            <a:endParaRPr lang="ru-RU" sz="2400" dirty="0" smtClean="0"/>
+              <a:t>ИНФОРМАЦИОННЫЕ РЕСУРСЫ</a:t>
+            </a:r>
           </a:p>
           <a:p>
             <a:pPr>
@@ -4032,7 +6385,6 @@
               <a:rPr lang="ru-RU" sz="2400" dirty="0" smtClean="0"/>
               <a:t>ПРИЛОЖЕНИЯ</a:t>
             </a:r>
-            <a:endParaRPr lang="ru-RU" sz="2400" dirty="0" smtClean="0"/>
           </a:p>
         </p:txBody>
       </p:sp>
@@ -4086,11 +6438,7 @@
             <a:pPr algn="l"/>
             <a:r>
               <a:rPr lang="ru-RU" sz="2800" dirty="0" smtClean="0"/>
-              <a:t>Цель: </a:t>
-            </a:r>
-            <a:r>
-              <a:rPr lang="ru-RU" sz="2800" dirty="0" smtClean="0"/>
-              <a:t>планирование и обеспечение модификации обучающего конструктора запросов </a:t>
+              <a:t>Цель: планирование и обеспечение модификации обучающего конструктора запросов </a:t>
             </a:r>
             <a:r>
               <a:rPr lang="en-US" sz="2800" dirty="0" smtClean="0"/>
@@ -4098,11 +6446,7 @@
             </a:r>
             <a:r>
               <a:rPr lang="ru-RU" sz="2800" dirty="0" smtClean="0"/>
-              <a:t>, для оценки реализации заявленных требований</a:t>
-            </a:r>
-            <a:r>
-              <a:rPr lang="ru-RU" sz="2800" dirty="0" smtClean="0"/>
-              <a:t>.</a:t>
+              <a:t>, для оценки реализации заявленных требований.</a:t>
             </a:r>
             <a:endParaRPr lang="ru-RU" sz="2800" dirty="0"/>
           </a:p>
@@ -4126,7 +6470,7 @@
         </p:spPr>
         <p:txBody>
           <a:bodyPr>
-            <a:normAutofit fontScale="77500" lnSpcReduction="20000"/>
+            <a:normAutofit fontScale="85000" lnSpcReduction="20000"/>
           </a:bodyPr>
           <a:lstStyle/>
           <a:p>
@@ -4181,18 +6525,13 @@
             </a:pPr>
             <a:r>
               <a:rPr lang="ru-RU" dirty="0" smtClean="0"/>
-              <a:t>Разработать инструментарий для тестирования программного продукта на этапе его сопровождения.</a:t>
-            </a:r>
-          </a:p>
-          <a:p>
-            <a:pPr marL="514350" lvl="0" indent="-514350">
-              <a:buFont typeface="+mj-lt"/>
-              <a:buAutoNum type="arabicPeriod"/>
-            </a:pPr>
+              <a:t>Провести м</a:t>
+            </a:r>
             <a:r>
               <a:rPr lang="ru-RU" dirty="0" smtClean="0"/>
-              <a:t>Обеспечить модификацию программного продукта в соответствии с планом сопровождения.</a:t>
-            </a:r>
+              <a:t>ероприятия по тестированию и модификации программного продукта.</a:t>
+            </a:r>
+            <a:endParaRPr lang="ru-RU" dirty="0" smtClean="0"/>
           </a:p>
           <a:p>
             <a:pPr marL="514350" lvl="0" indent="-514350">
@@ -4261,11 +6600,7 @@
           <a:p>
             <a:r>
               <a:rPr lang="ru-RU" dirty="0" smtClean="0"/>
-              <a:t>Элементы </a:t>
-            </a:r>
-            <a:r>
-              <a:rPr lang="ru-RU" dirty="0" smtClean="0"/>
-              <a:t>концепта сопровождения: </a:t>
+              <a:t>Элементы концепта сопровождения: </a:t>
             </a:r>
             <a:endParaRPr lang="ru-RU" dirty="0"/>
           </a:p>
@@ -4422,13 +6757,8 @@
             </a:r>
             <a:r>
               <a:rPr lang="ru-RU" dirty="0" smtClean="0"/>
-              <a:t>: разработка руководства пользователя</a:t>
-            </a:r>
-            <a:r>
-              <a:rPr lang="ru-RU" dirty="0" smtClean="0"/>
-              <a:t>.</a:t>
-            </a:r>
-            <a:endParaRPr lang="ru-RU" dirty="0" smtClean="0"/>
+              <a:t>: разработка руководства пользователя.</a:t>
+            </a:r>
           </a:p>
         </p:txBody>
       </p:sp>
@@ -4508,11 +6838,7 @@
             <a:pPr algn="l"/>
             <a:r>
               <a:rPr lang="ru-RU" sz="2700" dirty="0" smtClean="0"/>
-              <a:t>Проведение мероприятий по реализации каждого элемента концепта сопровождения должен осуществляться по следующей схеме</a:t>
-            </a:r>
-            <a:r>
-              <a:rPr lang="ru-RU" sz="2700" dirty="0" smtClean="0"/>
-              <a:t>:</a:t>
+              <a:t>Проведение мероприятий по реализации каждого элемента концепта сопровождения должен осуществляться по следующей схеме:</a:t>
             </a:r>
             <a:endParaRPr lang="ru-RU" dirty="0"/>
           </a:p>
@@ -4543,11 +6869,7 @@
             <a:pPr lvl="0"/>
             <a:r>
               <a:rPr lang="ru-RU" sz="2400" dirty="0" smtClean="0"/>
-              <a:t>Проведение </a:t>
-            </a:r>
-            <a:r>
-              <a:rPr lang="ru-RU" sz="2400" dirty="0" smtClean="0"/>
-              <a:t>работ по внесению изменений в программный продукт.</a:t>
+              <a:t>Проведение работ по внесению изменений в программный продукт.</a:t>
             </a:r>
           </a:p>
           <a:p>
@@ -4604,34 +6926,128 @@
             <p:ph type="title"/>
           </p:nvPr>
         </p:nvSpPr>
-        <p:spPr/>
+        <p:spPr>
+          <a:xfrm>
+            <a:off x="457200" y="0"/>
+            <a:ext cx="8229600" cy="1143000"/>
+          </a:xfrm>
+        </p:spPr>
         <p:txBody>
           <a:bodyPr/>
           <a:lstStyle/>
           <a:p>
-            <a:endParaRPr lang="ru-RU"/>
-          </a:p>
-        </p:txBody>
-      </p:sp>
-      <p:sp>
-        <p:nvSpPr>
-          <p:cNvPr id="3" name="Содержимое 2"/>
-          <p:cNvSpPr>
-            <a:spLocks noGrp="1"/>
-          </p:cNvSpPr>
+            <a:r>
+              <a:rPr lang="ru-RU" dirty="0" smtClean="0"/>
+              <a:t>Модель качества</a:t>
+            </a:r>
+            <a:endParaRPr lang="ru-RU" dirty="0"/>
+          </a:p>
+        </p:txBody>
+      </p:sp>
+      <p:pic>
+        <p:nvPicPr>
+          <p:cNvPr id="1026" name="Picture 2"/>
+          <p:cNvPicPr>
+            <a:picLocks noGrp="1" noChangeAspect="1" noChangeArrowheads="1"/>
+          </p:cNvPicPr>
           <p:nvPr>
             <p:ph idx="1"/>
           </p:nvPr>
+        </p:nvPicPr>
+        <p:blipFill>
+          <a:blip r:embed="rId2" cstate="print"/>
+          <a:srcRect/>
+          <a:stretch>
+            <a:fillRect/>
+          </a:stretch>
+        </p:blipFill>
+        <p:spPr bwMode="auto">
+          <a:xfrm>
+            <a:off x="457200" y="1155550"/>
+            <a:ext cx="8229599" cy="5415262"/>
+          </a:xfrm>
+          <a:prstGeom prst="rect">
+            <a:avLst/>
+          </a:prstGeom>
+          <a:noFill/>
+          <a:ln w="9525">
+            <a:noFill/>
+            <a:miter lim="800000"/>
+            <a:headEnd/>
+            <a:tailEnd/>
+          </a:ln>
+        </p:spPr>
+      </p:pic>
+    </p:spTree>
+  </p:cSld>
+  <p:clrMapOvr>
+    <a:masterClrMapping/>
+  </p:clrMapOvr>
+</p:sld>
+</file>
+
+<file path=ppt/slides/slide7.xml><?xml version="1.0" encoding="utf-8"?>
+<p:sld xmlns:a="http://schemas.openxmlformats.org/drawingml/2006/main" xmlns:r="http://schemas.openxmlformats.org/officeDocument/2006/relationships" xmlns:p="http://schemas.openxmlformats.org/presentationml/2006/main">
+  <p:cSld>
+    <p:spTree>
+      <p:nvGrpSpPr>
+        <p:cNvPr id="1" name=""/>
+        <p:cNvGrpSpPr/>
+        <p:nvPr/>
+      </p:nvGrpSpPr>
+      <p:grpSpPr>
+        <a:xfrm>
+          <a:off x="0" y="0"/>
+          <a:ext cx="0" cy="0"/>
+          <a:chOff x="0" y="0"/>
+          <a:chExt cx="0" cy="0"/>
+        </a:xfrm>
+      </p:grpSpPr>
+      <p:sp>
+        <p:nvSpPr>
+          <p:cNvPr id="2" name="Заголовок 1"/>
+          <p:cNvSpPr>
+            <a:spLocks noGrp="1"/>
+          </p:cNvSpPr>
+          <p:nvPr>
+            <p:ph type="title"/>
+          </p:nvPr>
         </p:nvSpPr>
         <p:spPr/>
         <p:txBody>
-          <a:bodyPr/>
+          <a:bodyPr>
+            <a:normAutofit fontScale="90000"/>
+          </a:bodyPr>
           <a:lstStyle/>
           <a:p>
-            <a:endParaRPr lang="ru-RU"/>
-          </a:p>
-        </p:txBody>
-      </p:sp>
+            <a:r>
+              <a:rPr lang="ru-RU" dirty="0" smtClean="0"/>
+              <a:t>План по дальнейшему развитию проекта</a:t>
+            </a:r>
+            <a:endParaRPr lang="ru-RU" dirty="0"/>
+          </a:p>
+        </p:txBody>
+      </p:sp>
+      <p:graphicFrame>
+        <p:nvGraphicFramePr>
+          <p:cNvPr id="4" name="Содержимое 3"/>
+          <p:cNvGraphicFramePr>
+            <a:graphicFrameLocks noGrp="1"/>
+          </p:cNvGraphicFramePr>
+          <p:nvPr>
+            <p:ph idx="1"/>
+          </p:nvPr>
+        </p:nvGraphicFramePr>
+        <p:xfrm>
+          <a:off x="457200" y="1905000"/>
+          <a:ext cx="8229600" cy="4221163"/>
+        </p:xfrm>
+        <a:graphic>
+          <a:graphicData uri="http://schemas.openxmlformats.org/drawingml/2006/diagram">
+            <dgm:relIds xmlns:dgm="http://schemas.openxmlformats.org/drawingml/2006/diagram" xmlns:r="http://schemas.openxmlformats.org/officeDocument/2006/relationships" r:dm="rId2" r:lo="rId3" r:qs="rId4" r:cs="rId5"/>
+          </a:graphicData>
+        </a:graphic>
+      </p:graphicFrame>
     </p:spTree>
   </p:cSld>
   <p:clrMapOvr>
